--- a/Anamoly Detection.pptx
+++ b/Anamoly Detection.pptx
@@ -17,10 +17,10 @@
     <p:sldId id="531" r:id="rId5"/>
     <p:sldId id="528" r:id="rId6"/>
     <p:sldId id="535" r:id="rId7"/>
-    <p:sldId id="532" r:id="rId8"/>
-    <p:sldId id="538" r:id="rId9"/>
-    <p:sldId id="539" r:id="rId10"/>
-    <p:sldId id="540" r:id="rId11"/>
+    <p:sldId id="539" r:id="rId8"/>
+    <p:sldId id="540" r:id="rId9"/>
+    <p:sldId id="532" r:id="rId10"/>
+    <p:sldId id="538" r:id="rId11"/>
     <p:sldId id="536" r:id="rId12"/>
     <p:sldId id="537" r:id="rId13"/>
     <p:sldId id="497" r:id="rId14"/>
@@ -208,7 +208,7 @@
             <a:fld id="{C7610C0E-43C4-4C6B-ADC3-72FEA0A55427}" type="datetimeFigureOut">
               <a:rPr lang="en-US" smtClean="0"/>
               <a:pPr/>
-              <a:t>5/26/2017</a:t>
+              <a:t>6/9/2017</a:t>
             </a:fld>
             <a:endParaRPr lang="en-US"/>
           </a:p>
@@ -1715,7 +1715,7 @@
             <a:fld id="{54FEA1FF-4A34-4477-ABDE-9C72F8F54362}" type="datetimeFigureOut">
               <a:rPr lang="en-US" smtClean="0"/>
               <a:pPr/>
-              <a:t>5/26/2017</a:t>
+              <a:t>6/9/2017</a:t>
             </a:fld>
             <a:endParaRPr lang="en-US"/>
           </a:p>
@@ -14511,25 +14511,6 @@
       </p:grpSpPr>
       <p:sp>
         <p:nvSpPr>
-          <p:cNvPr id="6" name="Text Placeholder 5"/>
-          <p:cNvSpPr>
-            <a:spLocks noGrp="1"/>
-          </p:cNvSpPr>
-          <p:nvPr>
-            <p:ph type="body" sz="quarter" idx="15"/>
-          </p:nvPr>
-        </p:nvSpPr>
-        <p:spPr/>
-        <p:txBody>
-          <a:bodyPr/>
-          <a:lstStyle/>
-          <a:p>
-            <a:endParaRPr lang="en-US"/>
-          </a:p>
-        </p:txBody>
-      </p:sp>
-      <p:sp>
-        <p:nvSpPr>
           <p:cNvPr id="5" name="Title 4"/>
           <p:cNvSpPr>
             <a:spLocks noGrp="1"/>
@@ -14545,9 +14526,51 @@
           <a:p>
             <a:r>
               <a:rPr lang="en-IN" dirty="0" smtClean="0"/>
-              <a:t>Isolation Forest</a:t>
+              <a:t>Auto-encoders</a:t>
             </a:r>
             <a:endParaRPr lang="en-US" dirty="0"/>
+          </a:p>
+        </p:txBody>
+      </p:sp>
+      <p:sp>
+        <p:nvSpPr>
+          <p:cNvPr id="7" name="TextBox 6"/>
+          <p:cNvSpPr txBox="1"/>
+          <p:nvPr/>
+        </p:nvSpPr>
+        <p:spPr>
+          <a:xfrm>
+            <a:off x="516467" y="990600"/>
+            <a:ext cx="4224865" cy="2723823"/>
+          </a:xfrm>
+          <a:prstGeom prst="rect">
+            <a:avLst/>
+          </a:prstGeom>
+          <a:noFill/>
+        </p:spPr>
+        <p:txBody>
+          <a:bodyPr wrap="square" rtlCol="0">
+            <a:spAutoFit/>
+          </a:bodyPr>
+          <a:lstStyle/>
+          <a:p>
+            <a:pPr>
+              <a:lnSpc>
+                <a:spcPct val="95000"/>
+              </a:lnSpc>
+              <a:spcBef>
+                <a:spcPts val="400"/>
+              </a:spcBef>
+            </a:pPr>
+            <a:r>
+              <a:rPr lang="en-IN" dirty="0" smtClean="0"/>
+              <a:t>Feed forward neural network containing only one hidden layer. Basically output regenerates its inputs by encoding them first and then decoding. This way it collates (encodes) all the information in the short space (Hidden layers) in the process keeps important properties which is seen overall in the dataset and throws out unimportant ones.  </a:t>
+            </a:r>
+            <a:endParaRPr lang="en-IN" dirty="0" smtClean="0">
+              <a:solidFill>
+                <a:srgbClr val="231F20"/>
+              </a:solidFill>
+            </a:endParaRPr>
           </a:p>
         </p:txBody>
       </p:sp>
@@ -14592,34 +14615,39 @@
       </p:sp>
       <p:pic>
         <p:nvPicPr>
-          <p:cNvPr id="5122" name="Picture 2"/>
+          <p:cNvPr id="3074" name="Picture 2"/>
           <p:cNvPicPr>
             <a:picLocks noChangeAspect="1" noChangeArrowheads="1"/>
           </p:cNvPicPr>
           <p:nvPr/>
         </p:nvPicPr>
         <p:blipFill rotWithShape="1">
-          <a:blip r:embed="rId2">
+          <a:blip r:embed="rId2" cstate="print">
             <a:extLst>
               <a:ext uri="{28A0092B-C50C-407E-A947-70E740481C1C}">
                 <a14:useLocalDpi xmlns:a14="http://schemas.microsoft.com/office/drawing/2010/main" val="0"/>
               </a:ext>
             </a:extLst>
           </a:blip>
-          <a:srcRect l="24514" t="29259" r="38750" b="25516"/>
+          <a:srcRect l="9236" t="2534" r="44792" b="4692"/>
           <a:stretch/>
         </p:blipFill>
         <p:spPr bwMode="auto">
           <a:xfrm>
-            <a:off x="155575" y="1216491"/>
-            <a:ext cx="4478868" cy="3101509"/>
+            <a:off x="5113866" y="453136"/>
+            <a:ext cx="3488267" cy="3959763"/>
           </a:xfrm>
           <a:prstGeom prst="rect">
             <a:avLst/>
           </a:prstGeom>
           <a:noFill/>
-          <a:ln>
-            <a:noFill/>
+          <a:ln w="15875">
+            <a:solidFill>
+              <a:schemeClr val="tx1"/>
+            </a:solidFill>
+            <a:miter lim="800000"/>
+            <a:headEnd/>
+            <a:tailEnd/>
           </a:ln>
           <a:extLst>
             <a:ext uri="{909E8E84-426E-40DD-AFC4-6F175D3DCCD1}">
@@ -14628,68 +14656,6 @@
                   <a:schemeClr val="accent1"/>
                 </a:solidFill>
               </a14:hiddenFill>
-            </a:ext>
-            <a:ext uri="{91240B29-F687-4F45-9708-019B960494DF}">
-              <a14:hiddenLine xmlns:a14="http://schemas.microsoft.com/office/drawing/2010/main" w="9525">
-                <a:solidFill>
-                  <a:schemeClr val="tx1"/>
-                </a:solidFill>
-                <a:miter lim="800000"/>
-                <a:headEnd/>
-                <a:tailEnd/>
-              </a14:hiddenLine>
-            </a:ext>
-          </a:extLst>
-        </p:spPr>
-      </p:pic>
-      <p:pic>
-        <p:nvPicPr>
-          <p:cNvPr id="5123" name="Picture 3"/>
-          <p:cNvPicPr>
-            <a:picLocks noChangeAspect="1" noChangeArrowheads="1"/>
-          </p:cNvPicPr>
-          <p:nvPr/>
-        </p:nvPicPr>
-        <p:blipFill rotWithShape="1">
-          <a:blip r:embed="rId3">
-            <a:extLst>
-              <a:ext uri="{28A0092B-C50C-407E-A947-70E740481C1C}">
-                <a14:useLocalDpi xmlns:a14="http://schemas.microsoft.com/office/drawing/2010/main" val="0"/>
-              </a:ext>
-            </a:extLst>
-          </a:blip>
-          <a:srcRect l="24375" t="29013" r="38472" b="25000"/>
-          <a:stretch/>
-        </p:blipFill>
-        <p:spPr bwMode="auto">
-          <a:xfrm>
-            <a:off x="4402668" y="1164166"/>
-            <a:ext cx="4529667" cy="3153834"/>
-          </a:xfrm>
-          <a:prstGeom prst="rect">
-            <a:avLst/>
-          </a:prstGeom>
-          <a:noFill/>
-          <a:ln>
-            <a:noFill/>
-          </a:ln>
-          <a:extLst>
-            <a:ext uri="{909E8E84-426E-40DD-AFC4-6F175D3DCCD1}">
-              <a14:hiddenFill xmlns:a14="http://schemas.microsoft.com/office/drawing/2010/main">
-                <a:solidFill>
-                  <a:schemeClr val="accent1"/>
-                </a:solidFill>
-              </a14:hiddenFill>
-            </a:ext>
-            <a:ext uri="{91240B29-F687-4F45-9708-019B960494DF}">
-              <a14:hiddenLine xmlns:a14="http://schemas.microsoft.com/office/drawing/2010/main" w="9525">
-                <a:solidFill>
-                  <a:schemeClr val="tx1"/>
-                </a:solidFill>
-                <a:miter lim="800000"/>
-                <a:headEnd/>
-                <a:tailEnd/>
-              </a14:hiddenLine>
             </a:ext>
           </a:extLst>
         </p:spPr>
@@ -14697,7 +14663,7 @@
     </p:spTree>
     <p:extLst>
       <p:ext uri="{BB962C8B-B14F-4D97-AF65-F5344CB8AC3E}">
-        <p14:creationId xmlns:p14="http://schemas.microsoft.com/office/powerpoint/2010/main" val="3859685123"/>
+        <p14:creationId xmlns:p14="http://schemas.microsoft.com/office/powerpoint/2010/main" val="2531448312"/>
       </p:ext>
     </p:extLst>
   </p:cSld>
@@ -14707,6 +14673,13 @@
   <p:transition spd="med">
     <p:fade/>
   </p:transition>
+  <p:timing>
+    <p:tnLst>
+      <p:par>
+        <p:cTn id="1" dur="indefinite" restart="never" nodeType="tmRoot"/>
+      </p:par>
+    </p:tnLst>
+  </p:timing>
 </p:sld>
 </file>
 
@@ -14752,25 +14725,6 @@
       </p:sp>
       <p:sp>
         <p:nvSpPr>
-          <p:cNvPr id="3" name="Text Placeholder 2"/>
-          <p:cNvSpPr>
-            <a:spLocks noGrp="1"/>
-          </p:cNvSpPr>
-          <p:nvPr>
-            <p:ph type="body" sz="quarter" idx="15"/>
-          </p:nvPr>
-        </p:nvSpPr>
-        <p:spPr/>
-        <p:txBody>
-          <a:bodyPr/>
-          <a:lstStyle/>
-          <a:p>
-            <a:endParaRPr lang="en-US"/>
-          </a:p>
-        </p:txBody>
-      </p:sp>
-      <p:sp>
-        <p:nvSpPr>
           <p:cNvPr id="4" name="Title 3"/>
           <p:cNvSpPr>
             <a:spLocks noGrp="1"/>
@@ -14801,7 +14755,7 @@
         <p:spPr>
           <a:xfrm>
             <a:off x="457201" y="1032933"/>
-            <a:ext cx="6502399" cy="984372"/>
+            <a:ext cx="6502399" cy="1298817"/>
           </a:xfrm>
           <a:prstGeom prst="rect">
             <a:avLst/>
@@ -14814,13 +14768,15 @@
           </a:bodyPr>
           <a:lstStyle/>
           <a:p>
-            <a:pPr>
+            <a:pPr marL="342900" indent="-342900">
               <a:lnSpc>
                 <a:spcPct val="95000"/>
               </a:lnSpc>
               <a:spcBef>
                 <a:spcPts val="400"/>
               </a:spcBef>
+              <a:buFont typeface="+mj-lt"/>
+              <a:buAutoNum type="arabicPeriod"/>
             </a:pPr>
             <a:r>
               <a:rPr lang="en-IN" dirty="0" smtClean="0">
@@ -14832,13 +14788,15 @@
             </a:r>
           </a:p>
           <a:p>
-            <a:pPr>
+            <a:pPr marL="342900" indent="-342900">
               <a:lnSpc>
                 <a:spcPct val="95000"/>
               </a:lnSpc>
               <a:spcBef>
                 <a:spcPts val="400"/>
               </a:spcBef>
+              <a:buFont typeface="+mj-lt"/>
+              <a:buAutoNum type="arabicPeriod"/>
             </a:pPr>
             <a:r>
               <a:rPr lang="en-IN" dirty="0" smtClean="0">
@@ -14850,13 +14808,15 @@
             </a:r>
           </a:p>
           <a:p>
-            <a:pPr>
+            <a:pPr marL="342900" indent="-342900">
               <a:lnSpc>
                 <a:spcPct val="95000"/>
               </a:lnSpc>
               <a:spcBef>
                 <a:spcPts val="400"/>
               </a:spcBef>
+              <a:buFont typeface="+mj-lt"/>
+              <a:buAutoNum type="arabicPeriod"/>
             </a:pPr>
             <a:r>
               <a:rPr lang="en-IN" dirty="0" smtClean="0">
@@ -14865,6 +14825,26 @@
                 </a:solidFill>
               </a:rPr>
               <a:t>Invalid transaction/Fraud detection</a:t>
+            </a:r>
+          </a:p>
+          <a:p>
+            <a:pPr marL="342900" indent="-342900">
+              <a:lnSpc>
+                <a:spcPct val="95000"/>
+              </a:lnSpc>
+              <a:spcBef>
+                <a:spcPts val="400"/>
+              </a:spcBef>
+              <a:buFont typeface="+mj-lt"/>
+              <a:buAutoNum type="arabicPeriod"/>
+            </a:pPr>
+            <a:r>
+              <a:rPr lang="en-IN" dirty="0" smtClean="0">
+                <a:solidFill>
+                  <a:srgbClr val="231F20"/>
+                </a:solidFill>
+              </a:rPr>
+              <a:t>And many more…</a:t>
             </a:r>
             <a:endParaRPr lang="en-US" dirty="0" err="1" smtClean="0">
               <a:solidFill>
@@ -14887,6 +14867,13 @@
   <p:transition spd="med">
     <p:fade/>
   </p:transition>
+  <p:timing>
+    <p:tnLst>
+      <p:par>
+        <p:cTn id="1" dur="indefinite" restart="never" nodeType="tmRoot"/>
+      </p:par>
+    </p:tnLst>
+  </p:timing>
 </p:sld>
 </file>
 
@@ -14909,25 +14896,6 @@
       </p:grpSpPr>
       <p:sp>
         <p:nvSpPr>
-          <p:cNvPr id="6" name="Text Placeholder 5"/>
-          <p:cNvSpPr>
-            <a:spLocks noGrp="1"/>
-          </p:cNvSpPr>
-          <p:nvPr>
-            <p:ph type="body" sz="quarter" idx="15"/>
-          </p:nvPr>
-        </p:nvSpPr>
-        <p:spPr/>
-        <p:txBody>
-          <a:bodyPr/>
-          <a:lstStyle/>
-          <a:p>
-            <a:endParaRPr lang="en-US"/>
-          </a:p>
-        </p:txBody>
-      </p:sp>
-      <p:sp>
-        <p:nvSpPr>
           <p:cNvPr id="5" name="Title 4"/>
           <p:cNvSpPr>
             <a:spLocks noGrp="1"/>
@@ -14958,7 +14926,7 @@
         <p:spPr>
           <a:xfrm>
             <a:off x="516467" y="990600"/>
-            <a:ext cx="7882466" cy="984372"/>
+            <a:ext cx="7882466" cy="2768450"/>
           </a:xfrm>
           <a:prstGeom prst="rect">
             <a:avLst/>
@@ -15012,40 +14980,7 @@
                 <a:spcPts val="400"/>
               </a:spcBef>
             </a:pPr>
-            <a:r>
-              <a:rPr lang="en-IN" dirty="0">
-                <a:solidFill>
-                  <a:srgbClr val="231F20"/>
-                </a:solidFill>
-              </a:rPr>
-              <a:t>SVM: </a:t>
-            </a:r>
-            <a:r>
-              <a:rPr lang="en-IN" dirty="0">
-                <a:solidFill>
-                  <a:srgbClr val="231F20"/>
-                </a:solidFill>
-                <a:hlinkClick r:id="rId3"/>
-              </a:rPr>
-              <a:t>https://</a:t>
-            </a:r>
-            <a:r>
-              <a:rPr lang="en-IN" dirty="0" smtClean="0">
-                <a:solidFill>
-                  <a:srgbClr val="231F20"/>
-                </a:solidFill>
-                <a:hlinkClick r:id="rId3"/>
-              </a:rPr>
-              <a:t>www.youtube.com/watch?v=mTyT-oHoivA</a:t>
-            </a:r>
-            <a:r>
-              <a:rPr lang="en-IN" dirty="0" smtClean="0">
-                <a:solidFill>
-                  <a:srgbClr val="231F20"/>
-                </a:solidFill>
-              </a:rPr>
-              <a:t> </a:t>
-            </a:r>
+            <a:endParaRPr lang="en-IN" dirty="0" smtClean="0"/>
           </a:p>
           <a:p>
             <a:pPr>
@@ -15057,12 +14992,172 @@
               </a:spcBef>
             </a:pPr>
             <a:r>
+              <a:rPr lang="en-IN" dirty="0">
+                <a:solidFill>
+                  <a:srgbClr val="231F20"/>
+                </a:solidFill>
+              </a:rPr>
+              <a:t>SVM: </a:t>
+            </a:r>
+            <a:r>
+              <a:rPr lang="en-IN" dirty="0">
+                <a:solidFill>
+                  <a:srgbClr val="231F20"/>
+                </a:solidFill>
+                <a:hlinkClick r:id="rId3"/>
+              </a:rPr>
+              <a:t>https://</a:t>
+            </a:r>
+            <a:r>
               <a:rPr lang="en-IN" dirty="0" smtClean="0">
                 <a:solidFill>
                   <a:srgbClr val="231F20"/>
                 </a:solidFill>
+                <a:hlinkClick r:id="rId3"/>
               </a:rPr>
-              <a:t>Isolation Forest: </a:t>
+              <a:t>www.youtube.com/watch?v=mTyT-oHoivA</a:t>
+            </a:r>
+            <a:r>
+              <a:rPr lang="en-IN" dirty="0" smtClean="0">
+                <a:solidFill>
+                  <a:srgbClr val="231F20"/>
+                </a:solidFill>
+              </a:rPr>
+              <a:t> </a:t>
+            </a:r>
+          </a:p>
+          <a:p>
+            <a:pPr>
+              <a:lnSpc>
+                <a:spcPct val="95000"/>
+              </a:lnSpc>
+              <a:spcBef>
+                <a:spcPts val="400"/>
+              </a:spcBef>
+            </a:pPr>
+            <a:endParaRPr lang="en-IN" dirty="0" smtClean="0">
+              <a:solidFill>
+                <a:srgbClr val="231F20"/>
+              </a:solidFill>
+            </a:endParaRPr>
+          </a:p>
+          <a:p>
+            <a:pPr>
+              <a:lnSpc>
+                <a:spcPct val="95000"/>
+              </a:lnSpc>
+              <a:spcBef>
+                <a:spcPts val="400"/>
+              </a:spcBef>
+            </a:pPr>
+            <a:r>
+              <a:rPr lang="en-IN" dirty="0" smtClean="0">
+                <a:solidFill>
+                  <a:srgbClr val="231F20"/>
+                </a:solidFill>
+              </a:rPr>
+              <a:t>Isolation Forest</a:t>
+            </a:r>
+            <a:r>
+              <a:rPr lang="en-IN" dirty="0">
+                <a:solidFill>
+                  <a:srgbClr val="231F20"/>
+                </a:solidFill>
+              </a:rPr>
+              <a:t>: </a:t>
+            </a:r>
+            <a:r>
+              <a:rPr lang="en-IN" dirty="0">
+                <a:solidFill>
+                  <a:srgbClr val="231F20"/>
+                </a:solidFill>
+                <a:hlinkClick r:id="rId4"/>
+              </a:rPr>
+              <a:t>https://</a:t>
+            </a:r>
+            <a:r>
+              <a:rPr lang="en-IN" dirty="0" smtClean="0">
+                <a:solidFill>
+                  <a:srgbClr val="231F20"/>
+                </a:solidFill>
+                <a:hlinkClick r:id="rId4"/>
+              </a:rPr>
+              <a:t>www.slideshare.net/turi-inc/anomaly-detection-using-isolation-forests</a:t>
+            </a:r>
+            <a:r>
+              <a:rPr lang="en-IN" dirty="0" smtClean="0">
+                <a:solidFill>
+                  <a:srgbClr val="231F20"/>
+                </a:solidFill>
+              </a:rPr>
+              <a:t> </a:t>
+            </a:r>
+          </a:p>
+          <a:p>
+            <a:pPr>
+              <a:lnSpc>
+                <a:spcPct val="95000"/>
+              </a:lnSpc>
+              <a:spcBef>
+                <a:spcPts val="400"/>
+              </a:spcBef>
+            </a:pPr>
+            <a:endParaRPr lang="en-IN" dirty="0" smtClean="0">
+              <a:solidFill>
+                <a:srgbClr val="231F20"/>
+              </a:solidFill>
+            </a:endParaRPr>
+          </a:p>
+          <a:p>
+            <a:pPr>
+              <a:lnSpc>
+                <a:spcPct val="95000"/>
+              </a:lnSpc>
+              <a:spcBef>
+                <a:spcPts val="400"/>
+              </a:spcBef>
+            </a:pPr>
+            <a:r>
+              <a:rPr lang="en-IN" dirty="0">
+                <a:solidFill>
+                  <a:srgbClr val="231F20"/>
+                </a:solidFill>
+              </a:rPr>
+              <a:t>H2o </a:t>
+            </a:r>
+            <a:r>
+              <a:rPr lang="en-IN" dirty="0" smtClean="0">
+                <a:solidFill>
+                  <a:srgbClr val="231F20"/>
+                </a:solidFill>
+              </a:rPr>
+              <a:t>documentation: </a:t>
+            </a:r>
+            <a:r>
+              <a:rPr lang="en-IN" dirty="0">
+                <a:solidFill>
+                  <a:srgbClr val="231F20"/>
+                </a:solidFill>
+                <a:hlinkClick r:id="rId5"/>
+              </a:rPr>
+              <a:t>http://</a:t>
+            </a:r>
+            <a:r>
+              <a:rPr lang="en-IN" dirty="0" smtClean="0">
+                <a:solidFill>
+                  <a:srgbClr val="231F20"/>
+                </a:solidFill>
+                <a:hlinkClick r:id="rId5"/>
+              </a:rPr>
+              <a:t>docs.h2o.ai/h2o/latest-stable/h2o-py/docs/frame.html</a:t>
+            </a:r>
+            <a:r>
+              <a:rPr lang="en-IN" dirty="0" smtClean="0">
+                <a:solidFill>
+                  <a:srgbClr val="231F20"/>
+                </a:solidFill>
+              </a:rPr>
+              <a:t> </a:t>
             </a:r>
           </a:p>
         </p:txBody>
@@ -15119,6 +15214,13 @@
   <p:transition spd="med">
     <p:fade/>
   </p:transition>
+  <p:timing>
+    <p:tnLst>
+      <p:par>
+        <p:cTn id="1" dur="indefinite" restart="never" nodeType="tmRoot"/>
+      </p:par>
+    </p:tnLst>
+  </p:timing>
 </p:sld>
 </file>
 
@@ -15159,25 +15261,6 @@
               <a:t>© 2014 Teradata</a:t>
             </a:r>
             <a:endParaRPr lang="en-US" dirty="0"/>
-          </a:p>
-        </p:txBody>
-      </p:sp>
-      <p:sp>
-        <p:nvSpPr>
-          <p:cNvPr id="3" name="Text Placeholder 2"/>
-          <p:cNvSpPr>
-            <a:spLocks noGrp="1"/>
-          </p:cNvSpPr>
-          <p:nvPr>
-            <p:ph type="body" sz="quarter" idx="15"/>
-          </p:nvPr>
-        </p:nvSpPr>
-        <p:spPr/>
-        <p:txBody>
-          <a:bodyPr/>
-          <a:lstStyle/>
-          <a:p>
-            <a:endParaRPr lang="en-US"/>
           </a:p>
         </p:txBody>
       </p:sp>
@@ -15223,25 +15306,6 @@
       </p:grpSpPr>
       <p:sp>
         <p:nvSpPr>
-          <p:cNvPr id="6" name="Text Placeholder 5"/>
-          <p:cNvSpPr>
-            <a:spLocks noGrp="1"/>
-          </p:cNvSpPr>
-          <p:nvPr>
-            <p:ph type="body" sz="quarter" idx="15"/>
-          </p:nvPr>
-        </p:nvSpPr>
-        <p:spPr/>
-        <p:txBody>
-          <a:bodyPr/>
-          <a:lstStyle/>
-          <a:p>
-            <a:endParaRPr lang="en-US"/>
-          </a:p>
-        </p:txBody>
-      </p:sp>
-      <p:sp>
-        <p:nvSpPr>
           <p:cNvPr id="5" name="Title 4"/>
           <p:cNvSpPr>
             <a:spLocks noGrp="1"/>
@@ -15272,7 +15336,7 @@
         <p:spPr>
           <a:xfrm>
             <a:off x="516467" y="990600"/>
-            <a:ext cx="7636933" cy="3082895"/>
+            <a:ext cx="7636933" cy="2717154"/>
           </a:xfrm>
           <a:prstGeom prst="rect">
             <a:avLst/>
@@ -15311,14 +15375,11 @@
                 <a:spcPts val="400"/>
               </a:spcBef>
             </a:pPr>
-            <a:r>
-              <a:rPr lang="en-IN" dirty="0" smtClean="0">
-                <a:solidFill>
-                  <a:srgbClr val="231F20"/>
-                </a:solidFill>
-              </a:rPr>
-              <a:t>Different algorithms in Anomaly detection in un-supervised learning space</a:t>
-            </a:r>
+            <a:endParaRPr lang="en-IN" dirty="0" smtClean="0">
+              <a:solidFill>
+                <a:srgbClr val="231F20"/>
+              </a:solidFill>
+            </a:endParaRPr>
           </a:p>
           <a:p>
             <a:pPr>
@@ -15335,7 +15396,55 @@
                   <a:srgbClr val="231F20"/>
                 </a:solidFill>
               </a:rPr>
-              <a:t>Practical - Implementation of Anomaly detection</a:t>
+              <a:t>Different algorithms in Anomaly detection in un-supervised learning </a:t>
+            </a:r>
+            <a:r>
+              <a:rPr lang="en-IN" dirty="0">
+                <a:solidFill>
+                  <a:srgbClr val="231F20"/>
+                </a:solidFill>
+              </a:rPr>
+              <a:t>space </a:t>
+            </a:r>
+            <a:r>
+              <a:rPr lang="en-IN" dirty="0" smtClean="0">
+                <a:solidFill>
+                  <a:srgbClr val="231F20"/>
+                </a:solidFill>
+              </a:rPr>
+              <a:t>(its brief </a:t>
+            </a:r>
+            <a:r>
+              <a:rPr lang="en-IN" dirty="0">
+                <a:solidFill>
+                  <a:srgbClr val="231F20"/>
+                </a:solidFill>
+              </a:rPr>
+              <a:t>overview of algorithms used, for in detail </a:t>
+            </a:r>
+            <a:r>
+              <a:rPr lang="en-IN" dirty="0" smtClean="0">
+                <a:solidFill>
+                  <a:srgbClr val="231F20"/>
+                </a:solidFill>
+              </a:rPr>
+              <a:t>functionality please </a:t>
+            </a:r>
+            <a:r>
+              <a:rPr lang="en-IN" dirty="0">
+                <a:solidFill>
+                  <a:srgbClr val="231F20"/>
+                </a:solidFill>
+              </a:rPr>
+              <a:t>check out reference </a:t>
+            </a:r>
+            <a:r>
+              <a:rPr lang="en-IN" dirty="0" smtClean="0">
+                <a:solidFill>
+                  <a:srgbClr val="231F20"/>
+                </a:solidFill>
+              </a:rPr>
+              <a:t>links)</a:t>
             </a:r>
           </a:p>
           <a:p>
@@ -15347,7 +15456,7 @@
                 <a:spcPts val="400"/>
               </a:spcBef>
             </a:pPr>
-            <a:endParaRPr lang="en-IN" dirty="0">
+            <a:endParaRPr lang="en-IN" dirty="0" smtClean="0">
               <a:solidFill>
                 <a:srgbClr val="231F20"/>
               </a:solidFill>
@@ -15368,51 +15477,7 @@
                   <a:srgbClr val="231F20"/>
                 </a:solidFill>
               </a:rPr>
-              <a:t>Objective – </a:t>
-            </a:r>
-          </a:p>
-          <a:p>
-            <a:pPr>
-              <a:lnSpc>
-                <a:spcPct val="95000"/>
-              </a:lnSpc>
-              <a:spcBef>
-                <a:spcPts val="400"/>
-              </a:spcBef>
-            </a:pPr>
-            <a:r>
-              <a:rPr lang="en-IN" dirty="0">
-                <a:solidFill>
-                  <a:srgbClr val="231F20"/>
-                </a:solidFill>
-              </a:rPr>
-              <a:t>	</a:t>
-            </a:r>
-            <a:r>
-              <a:rPr lang="en-IN" dirty="0" smtClean="0">
-                <a:solidFill>
-                  <a:srgbClr val="231F20"/>
-                </a:solidFill>
-              </a:rPr>
-              <a:t>Brief overview of algorithms used, for in detail functionality 	please check out reference links</a:t>
-            </a:r>
-          </a:p>
-          <a:p>
-            <a:pPr>
-              <a:lnSpc>
-                <a:spcPct val="95000"/>
-              </a:lnSpc>
-              <a:spcBef>
-                <a:spcPts val="400"/>
-              </a:spcBef>
-            </a:pPr>
-            <a:r>
-              <a:rPr lang="en-IN" dirty="0" smtClean="0">
-                <a:solidFill>
-                  <a:srgbClr val="231F20"/>
-                </a:solidFill>
-              </a:rPr>
-              <a:t>	Go through on implementation in Jupiter lab</a:t>
+              <a:t>Implementation of Anomaly detection (Go through on implementation in Jupiter notebook)</a:t>
             </a:r>
             <a:endParaRPr lang="en-IN" dirty="0">
               <a:solidFill>
@@ -15458,6 +15523,13 @@
   <p:transition spd="med">
     <p:fade/>
   </p:transition>
+  <p:timing>
+    <p:tnLst>
+      <p:par>
+        <p:cTn id="1" dur="indefinite" restart="never" nodeType="tmRoot"/>
+      </p:par>
+    </p:tnLst>
+  </p:timing>
 </p:sld>
 </file>
 
@@ -15480,25 +15552,6 @@
       </p:grpSpPr>
       <p:sp>
         <p:nvSpPr>
-          <p:cNvPr id="6" name="Text Placeholder 5"/>
-          <p:cNvSpPr>
-            <a:spLocks noGrp="1"/>
-          </p:cNvSpPr>
-          <p:nvPr>
-            <p:ph type="body" sz="quarter" idx="15"/>
-          </p:nvPr>
-        </p:nvSpPr>
-        <p:spPr/>
-        <p:txBody>
-          <a:bodyPr/>
-          <a:lstStyle/>
-          <a:p>
-            <a:endParaRPr lang="en-US"/>
-          </a:p>
-        </p:txBody>
-      </p:sp>
-      <p:sp>
-        <p:nvSpPr>
           <p:cNvPr id="5" name="Title 4"/>
           <p:cNvSpPr>
             <a:spLocks noGrp="1"/>
@@ -15514,7 +15567,7 @@
           <a:p>
             <a:r>
               <a:rPr lang="en-IN" dirty="0" smtClean="0"/>
-              <a:t>What is Anomaly Detection?</a:t>
+              <a:t>What is Anomaly Detection and how it is different from Outlier?</a:t>
             </a:r>
             <a:endParaRPr lang="en-US" dirty="0"/>
           </a:p>
@@ -15529,7 +15582,7 @@
         <p:spPr>
           <a:xfrm>
             <a:off x="516467" y="990600"/>
-            <a:ext cx="7636933" cy="4924938"/>
+            <a:ext cx="7636933" cy="3981603"/>
           </a:xfrm>
           <a:prstGeom prst="rect">
             <a:avLst/>
@@ -15551,12 +15604,28 @@
               </a:spcBef>
             </a:pPr>
             <a:r>
-              <a:rPr lang="en-IN" dirty="0" smtClean="0">
-                <a:solidFill>
-                  <a:srgbClr val="231F20"/>
-                </a:solidFill>
-              </a:rPr>
-              <a:t>Difference between outlier and anomalies?</a:t>
+              <a:rPr lang="en-IN" dirty="0" smtClean="0"/>
+              <a:t>The </a:t>
+            </a:r>
+            <a:r>
+              <a:rPr lang="en-IN" dirty="0"/>
+              <a:t>terms are largely used in an interchangeable way. "</a:t>
+            </a:r>
+            <a:r>
+              <a:rPr lang="en-IN" b="1" dirty="0"/>
+              <a:t>Outlier</a:t>
+            </a:r>
+            <a:r>
+              <a:rPr lang="en-IN" dirty="0"/>
+              <a:t>" refers to something lying outside the norm - so it is "</a:t>
+            </a:r>
+            <a:r>
+              <a:rPr lang="en-IN" b="1" dirty="0"/>
+              <a:t>anomalous</a:t>
+            </a:r>
+            <a:r>
+              <a:rPr lang="en-IN" dirty="0" smtClean="0"/>
+              <a:t>".</a:t>
             </a:r>
           </a:p>
           <a:p>
@@ -15569,87 +15638,16 @@
               </a:spcBef>
             </a:pPr>
             <a:r>
-              <a:rPr lang="en-IN" dirty="0" smtClean="0">
-                <a:solidFill>
-                  <a:srgbClr val="231F20"/>
-                </a:solidFill>
-              </a:rPr>
-              <a:t>Definition of Outlier and Anomalies</a:t>
-            </a:r>
-          </a:p>
-          <a:p>
-            <a:pPr>
-              <a:lnSpc>
-                <a:spcPct val="95000"/>
-              </a:lnSpc>
-              <a:spcBef>
-                <a:spcPts val="400"/>
-              </a:spcBef>
-            </a:pPr>
-            <a:r>
-              <a:rPr lang="en-IN" dirty="0" smtClean="0">
-                <a:solidFill>
-                  <a:srgbClr val="231F20"/>
-                </a:solidFill>
-              </a:rPr>
-              <a:t>Example by plot</a:t>
-            </a:r>
-            <a:endParaRPr lang="en-IN" dirty="0">
-              <a:solidFill>
-                <a:srgbClr val="231F20"/>
-              </a:solidFill>
-            </a:endParaRPr>
-          </a:p>
-          <a:p>
-            <a:pPr>
-              <a:lnSpc>
-                <a:spcPct val="95000"/>
-              </a:lnSpc>
-              <a:spcBef>
-                <a:spcPts val="400"/>
-              </a:spcBef>
-            </a:pPr>
-            <a:r>
-              <a:rPr lang="en-IN" dirty="0"/>
-              <a:t>The terms are largely used in an interchangeable way. "</a:t>
-            </a:r>
-            <a:r>
-              <a:rPr lang="en-IN" b="1" dirty="0"/>
-              <a:t>Outlier</a:t>
-            </a:r>
-            <a:r>
-              <a:rPr lang="en-IN" dirty="0"/>
-              <a:t>" refers to something lying outside the norm - so it is "</a:t>
-            </a:r>
-            <a:r>
-              <a:rPr lang="en-IN" b="1" dirty="0"/>
-              <a:t>anomalous</a:t>
-            </a:r>
-            <a:r>
               <a:rPr lang="en-IN" dirty="0" smtClean="0"/>
-              <a:t>".</a:t>
-            </a:r>
-          </a:p>
-          <a:p>
-            <a:pPr>
-              <a:lnSpc>
-                <a:spcPct val="95000"/>
-              </a:lnSpc>
-              <a:spcBef>
-                <a:spcPts val="400"/>
-              </a:spcBef>
-            </a:pPr>
+              <a:t>An outlier is far away data point that’s far away from the mean or median in a distribution. It may be unusual but still within realm of reality. An anomaly is </a:t>
+            </a:r>
+            <a:r>
+              <a:rPr lang="en-IN" b="1" dirty="0" smtClean="0"/>
+              <a:t>illegitimate</a:t>
+            </a:r>
             <a:r>
               <a:rPr lang="en-IN" dirty="0" smtClean="0"/>
-              <a:t>An outlier is far away data point that’s far away from the mean or median in a distribution. It may be unusual but still within realm of reality. An anomaly is illegitimate data point that is </a:t>
-            </a:r>
-            <a:r>
-              <a:rPr lang="en-IN" dirty="0" err="1" smtClean="0"/>
-              <a:t>genereated</a:t>
-            </a:r>
-            <a:r>
-              <a:rPr lang="en-IN" dirty="0" smtClean="0"/>
-              <a:t> from a different process than whatever generated rest of the data. </a:t>
+              <a:t> data point that is generated from a different process than whatever generated rest of the data. </a:t>
             </a:r>
             <a:endParaRPr lang="en-IN" dirty="0"/>
           </a:p>
@@ -15759,6 +15757,13 @@
   <p:transition spd="med">
     <p:fade/>
   </p:transition>
+  <p:timing>
+    <p:tnLst>
+      <p:par>
+        <p:cTn id="1" dur="indefinite" restart="never" nodeType="tmRoot"/>
+      </p:par>
+    </p:tnLst>
+  </p:timing>
 </p:sld>
 </file>
 
@@ -15781,25 +15786,6 @@
       </p:grpSpPr>
       <p:sp>
         <p:nvSpPr>
-          <p:cNvPr id="6" name="Text Placeholder 5"/>
-          <p:cNvSpPr>
-            <a:spLocks noGrp="1"/>
-          </p:cNvSpPr>
-          <p:nvPr>
-            <p:ph type="body" sz="quarter" idx="15"/>
-          </p:nvPr>
-        </p:nvSpPr>
-        <p:spPr/>
-        <p:txBody>
-          <a:bodyPr/>
-          <a:lstStyle/>
-          <a:p>
-            <a:endParaRPr lang="en-US"/>
-          </a:p>
-        </p:txBody>
-      </p:sp>
-      <p:sp>
-        <p:nvSpPr>
           <p:cNvPr id="5" name="Title 4"/>
           <p:cNvSpPr>
             <a:spLocks noGrp="1"/>
@@ -15815,7 +15801,7 @@
           <a:p>
             <a:r>
               <a:rPr lang="en-IN" dirty="0" smtClean="0"/>
-              <a:t>What is Anomaly Detection?</a:t>
+              <a:t>Anomaly Detection for Univariate Variable (Unsupervised)</a:t>
             </a:r>
             <a:endParaRPr lang="en-US" dirty="0"/>
           </a:p>
@@ -15829,8 +15815,8 @@
         </p:nvSpPr>
         <p:spPr>
           <a:xfrm>
-            <a:off x="516467" y="990600"/>
-            <a:ext cx="7636933" cy="2242152"/>
+            <a:off x="1202267" y="1025585"/>
+            <a:ext cx="2302933" cy="984372"/>
           </a:xfrm>
           <a:prstGeom prst="rect">
             <a:avLst/>
@@ -15842,76 +15828,6 @@
             <a:spAutoFit/>
           </a:bodyPr>
           <a:lstStyle/>
-          <a:p>
-            <a:pPr>
-              <a:lnSpc>
-                <a:spcPct val="95000"/>
-              </a:lnSpc>
-              <a:spcBef>
-                <a:spcPts val="400"/>
-              </a:spcBef>
-            </a:pPr>
-            <a:r>
-              <a:rPr lang="en-IN" dirty="0" smtClean="0">
-                <a:solidFill>
-                  <a:srgbClr val="231F20"/>
-                </a:solidFill>
-              </a:rPr>
-              <a:t>Difference between outlier and anomalies?</a:t>
-            </a:r>
-          </a:p>
-          <a:p>
-            <a:pPr>
-              <a:lnSpc>
-                <a:spcPct val="95000"/>
-              </a:lnSpc>
-              <a:spcBef>
-                <a:spcPts val="400"/>
-              </a:spcBef>
-            </a:pPr>
-            <a:r>
-              <a:rPr lang="en-IN" dirty="0" smtClean="0">
-                <a:solidFill>
-                  <a:srgbClr val="231F20"/>
-                </a:solidFill>
-              </a:rPr>
-              <a:t>Definition of Outlier and Anomalies</a:t>
-            </a:r>
-          </a:p>
-          <a:p>
-            <a:pPr>
-              <a:lnSpc>
-                <a:spcPct val="95000"/>
-              </a:lnSpc>
-              <a:spcBef>
-                <a:spcPts val="400"/>
-              </a:spcBef>
-            </a:pPr>
-            <a:r>
-              <a:rPr lang="en-IN" dirty="0" smtClean="0">
-                <a:solidFill>
-                  <a:srgbClr val="231F20"/>
-                </a:solidFill>
-              </a:rPr>
-              <a:t>Example by plot – Good for </a:t>
-            </a:r>
-            <a:r>
-              <a:rPr lang="en-IN" dirty="0" err="1" smtClean="0">
-                <a:solidFill>
-                  <a:srgbClr val="231F20"/>
-                </a:solidFill>
-              </a:rPr>
-              <a:t>uni-variate</a:t>
-            </a:r>
-            <a:r>
-              <a:rPr lang="en-IN" dirty="0" smtClean="0">
-                <a:solidFill>
-                  <a:srgbClr val="231F20"/>
-                </a:solidFill>
-              </a:rPr>
-              <a:t> data</a:t>
-            </a:r>
-          </a:p>
           <a:p>
             <a:pPr>
               <a:lnSpc>
@@ -15937,24 +15853,14 @@
               </a:spcBef>
             </a:pPr>
             <a:r>
-              <a:rPr lang="en-IN" dirty="0" smtClean="0">
+              <a:rPr lang="en-IN" b="1" dirty="0" smtClean="0">
                 <a:solidFill>
                   <a:srgbClr val="231F20"/>
                 </a:solidFill>
               </a:rPr>
-              <a:t>Normal Distribution and Box plot</a:t>
-            </a:r>
-          </a:p>
-          <a:p>
-            <a:pPr>
-              <a:lnSpc>
-                <a:spcPct val="95000"/>
-              </a:lnSpc>
-              <a:spcBef>
-                <a:spcPts val="400"/>
-              </a:spcBef>
-            </a:pPr>
-            <a:endParaRPr lang="en-IN" dirty="0">
+              <a:t>Normal Distribution</a:t>
+            </a:r>
+            <a:endParaRPr lang="en-IN" b="1" dirty="0">
               <a:solidFill>
                 <a:srgbClr val="231F20"/>
               </a:solidFill>
@@ -15998,15 +15904,20 @@
         </p:blipFill>
         <p:spPr bwMode="auto">
           <a:xfrm>
-            <a:off x="643466" y="2553640"/>
-            <a:ext cx="3361267" cy="2408010"/>
+            <a:off x="643465" y="1690039"/>
+            <a:ext cx="3630802" cy="2601105"/>
           </a:xfrm>
           <a:prstGeom prst="rect">
             <a:avLst/>
           </a:prstGeom>
           <a:noFill/>
-          <a:ln>
-            <a:noFill/>
+          <a:ln w="25400">
+            <a:solidFill>
+              <a:schemeClr val="tx1"/>
+            </a:solidFill>
+            <a:miter lim="800000"/>
+            <a:headEnd/>
+            <a:tailEnd/>
           </a:ln>
           <a:extLst>
             <a:ext uri="{909E8E84-426E-40DD-AFC4-6F175D3DCCD1}">
@@ -16016,22 +15927,58 @@
                 </a:solidFill>
               </a14:hiddenFill>
             </a:ext>
-            <a:ext uri="{91240B29-F687-4F45-9708-019B960494DF}">
-              <a14:hiddenLine xmlns:a14="http://schemas.microsoft.com/office/drawing/2010/main" w="9525">
-                <a:solidFill>
-                  <a:schemeClr val="tx1"/>
-                </a:solidFill>
-                <a:miter lim="800000"/>
-                <a:headEnd/>
-                <a:tailEnd/>
-              </a14:hiddenLine>
-            </a:ext>
           </a:extLst>
         </p:spPr>
       </p:pic>
+      <p:sp>
+        <p:nvSpPr>
+          <p:cNvPr id="2" name="TextBox 1"/>
+          <p:cNvSpPr txBox="1"/>
+          <p:nvPr/>
+        </p:nvSpPr>
+        <p:spPr>
+          <a:xfrm>
+            <a:off x="6070145" y="1334558"/>
+            <a:ext cx="1570794" cy="355482"/>
+          </a:xfrm>
+          <a:prstGeom prst="rect">
+            <a:avLst/>
+          </a:prstGeom>
+          <a:noFill/>
+        </p:spPr>
+        <p:txBody>
+          <a:bodyPr wrap="square" rtlCol="0">
+            <a:spAutoFit/>
+          </a:bodyPr>
+          <a:lstStyle/>
+          <a:p>
+            <a:pPr>
+              <a:lnSpc>
+                <a:spcPct val="95000"/>
+              </a:lnSpc>
+              <a:spcBef>
+                <a:spcPts val="400"/>
+              </a:spcBef>
+            </a:pPr>
+            <a:r>
+              <a:rPr lang="en-IN" b="1" dirty="0" smtClean="0">
+                <a:solidFill>
+                  <a:srgbClr val="231F20"/>
+                </a:solidFill>
+              </a:rPr>
+              <a:t>Box plot</a:t>
+            </a:r>
+            <a:endParaRPr lang="en-IN" b="1" dirty="0">
+              <a:solidFill>
+                <a:srgbClr val="231F20"/>
+              </a:solidFill>
+            </a:endParaRPr>
+          </a:p>
+        </p:txBody>
+      </p:sp>
       <p:pic>
         <p:nvPicPr>
-          <p:cNvPr id="1027" name="Picture 3"/>
+          <p:cNvPr id="3" name="Picture 2"/>
           <p:cNvPicPr>
             <a:picLocks noChangeAspect="1" noChangeArrowheads="1"/>
           </p:cNvPicPr>
@@ -16045,20 +15992,25 @@
               </a:ext>
             </a:extLst>
           </a:blip>
-          <a:srcRect l="17084" t="26049" r="54097" b="22606"/>
+          <a:srcRect l="38751" t="35432" r="22222" b="10740"/>
           <a:stretch/>
         </p:blipFill>
         <p:spPr bwMode="auto">
           <a:xfrm>
-            <a:off x="5295673" y="2186293"/>
-            <a:ext cx="2578327" cy="2583851"/>
+            <a:off x="4919134" y="1690040"/>
+            <a:ext cx="3352799" cy="2601104"/>
           </a:xfrm>
           <a:prstGeom prst="rect">
             <a:avLst/>
           </a:prstGeom>
           <a:noFill/>
-          <a:ln>
-            <a:noFill/>
+          <a:ln w="25400">
+            <a:solidFill>
+              <a:schemeClr val="tx1"/>
+            </a:solidFill>
+            <a:miter lim="800000"/>
+            <a:headEnd/>
+            <a:tailEnd/>
           </a:ln>
           <a:extLst>
             <a:ext uri="{909E8E84-426E-40DD-AFC4-6F175D3DCCD1}">
@@ -16067,16 +16019,6 @@
                   <a:schemeClr val="accent1"/>
                 </a:solidFill>
               </a14:hiddenFill>
-            </a:ext>
-            <a:ext uri="{91240B29-F687-4F45-9708-019B960494DF}">
-              <a14:hiddenLine xmlns:a14="http://schemas.microsoft.com/office/drawing/2010/main" w="9525">
-                <a:solidFill>
-                  <a:schemeClr val="tx1"/>
-                </a:solidFill>
-                <a:miter lim="800000"/>
-                <a:headEnd/>
-                <a:tailEnd/>
-              </a14:hiddenLine>
             </a:ext>
           </a:extLst>
         </p:spPr>
@@ -16094,6 +16036,13 @@
   <p:transition spd="med">
     <p:fade/>
   </p:transition>
+  <p:timing>
+    <p:tnLst>
+      <p:par>
+        <p:cTn id="1" dur="indefinite" restart="never" nodeType="tmRoot"/>
+      </p:par>
+    </p:tnLst>
+  </p:timing>
 </p:sld>
 </file>
 
@@ -16116,25 +16065,6 @@
       </p:grpSpPr>
       <p:sp>
         <p:nvSpPr>
-          <p:cNvPr id="6" name="Text Placeholder 5"/>
-          <p:cNvSpPr>
-            <a:spLocks noGrp="1"/>
-          </p:cNvSpPr>
-          <p:nvPr>
-            <p:ph type="body" sz="quarter" idx="15"/>
-          </p:nvPr>
-        </p:nvSpPr>
-        <p:spPr/>
-        <p:txBody>
-          <a:bodyPr/>
-          <a:lstStyle/>
-          <a:p>
-            <a:endParaRPr lang="en-US"/>
-          </a:p>
-        </p:txBody>
-      </p:sp>
-      <p:sp>
-        <p:nvSpPr>
           <p:cNvPr id="5" name="Title 4"/>
           <p:cNvSpPr>
             <a:spLocks noGrp="1"/>
@@ -16150,7 +16080,7 @@
           <a:p>
             <a:r>
               <a:rPr lang="en-IN" dirty="0" smtClean="0"/>
-              <a:t>Major Techniques – Unsupervised Anomalies detection</a:t>
+              <a:t>Major Techniques – Unsupervised Anomaly detection</a:t>
             </a:r>
             <a:endParaRPr lang="en-US" dirty="0"/>
           </a:p>
@@ -16165,7 +16095,7 @@
         <p:spPr>
           <a:xfrm>
             <a:off x="516467" y="990600"/>
-            <a:ext cx="7636933" cy="2505301"/>
+            <a:ext cx="7636933" cy="2190856"/>
           </a:xfrm>
           <a:prstGeom prst="rect">
             <a:avLst/>
@@ -16187,12 +16117,12 @@
               </a:spcBef>
             </a:pPr>
             <a:r>
-              <a:rPr lang="en-IN" dirty="0" smtClean="0">
+              <a:rPr lang="en-IN" b="1" dirty="0">
                 <a:solidFill>
                   <a:srgbClr val="231F20"/>
                 </a:solidFill>
               </a:rPr>
-              <a:t>One Class SVM</a:t>
+              <a:t>Isolation Forest</a:t>
             </a:r>
           </a:p>
           <a:p>
@@ -16205,12 +16135,20 @@
               </a:spcBef>
             </a:pPr>
             <a:r>
-              <a:rPr lang="en-IN" dirty="0" smtClean="0">
+              <a:rPr lang="en-IN" b="1" dirty="0" smtClean="0">
                 <a:solidFill>
                   <a:srgbClr val="231F20"/>
                 </a:solidFill>
               </a:rPr>
-              <a:t>Isolation Forest</a:t>
+              <a:t>One </a:t>
+            </a:r>
+            <a:r>
+              <a:rPr lang="en-IN" b="1" dirty="0" smtClean="0">
+                <a:solidFill>
+                  <a:srgbClr val="231F20"/>
+                </a:solidFill>
+              </a:rPr>
+              <a:t>Class SVM</a:t>
             </a:r>
           </a:p>
           <a:p>
@@ -16223,12 +16161,20 @@
               </a:spcBef>
             </a:pPr>
             <a:r>
-              <a:rPr lang="en-IN" dirty="0" smtClean="0">
+              <a:rPr lang="en-IN" b="1" dirty="0" smtClean="0">
                 <a:solidFill>
                   <a:srgbClr val="231F20"/>
                 </a:solidFill>
               </a:rPr>
-              <a:t>Auto encoder</a:t>
+              <a:t>Auto </a:t>
+            </a:r>
+            <a:r>
+              <a:rPr lang="en-IN" b="1" dirty="0" smtClean="0">
+                <a:solidFill>
+                  <a:srgbClr val="231F20"/>
+                </a:solidFill>
+              </a:rPr>
+              <a:t>encoder</a:t>
             </a:r>
           </a:p>
           <a:p>
@@ -16241,7 +16187,7 @@
               </a:spcBef>
             </a:pPr>
             <a:r>
-              <a:rPr lang="en-IN" dirty="0">
+              <a:rPr lang="en-IN" b="1" dirty="0">
                 <a:solidFill>
                   <a:srgbClr val="231F20"/>
                 </a:solidFill>
@@ -16249,7 +16195,7 @@
               <a:t>Box plot </a:t>
             </a:r>
             <a:r>
-              <a:rPr lang="en-IN" dirty="0" smtClean="0">
+              <a:rPr lang="en-IN" b="1" dirty="0" smtClean="0">
                 <a:solidFill>
                   <a:srgbClr val="231F20"/>
                 </a:solidFill>
@@ -16272,7 +16218,15 @@
                   <a:srgbClr val="231F20"/>
                 </a:solidFill>
               </a:rPr>
-              <a:t>Histogram comparison</a:t>
+              <a:t>DBscan </a:t>
+            </a:r>
+            <a:r>
+              <a:rPr lang="en-IN" dirty="0" smtClean="0">
+                <a:solidFill>
+                  <a:srgbClr val="231F20"/>
+                </a:solidFill>
+              </a:rPr>
+              <a:t>(Density based clustering as opposed to Distance based like Euclidean Distance)</a:t>
             </a:r>
           </a:p>
           <a:p>
@@ -16290,33 +16244,7 @@
                   <a:srgbClr val="231F20"/>
                 </a:solidFill>
               </a:rPr>
-              <a:t>DBscan (Density based clustering as opposed to Distance based like Euclidean Distance)</a:t>
-            </a:r>
-          </a:p>
-          <a:p>
-            <a:pPr>
-              <a:lnSpc>
-                <a:spcPct val="95000"/>
-              </a:lnSpc>
-              <a:spcBef>
-                <a:spcPts val="400"/>
-              </a:spcBef>
-            </a:pPr>
-            <a:r>
-              <a:rPr lang="en-IN" dirty="0" err="1" smtClean="0">
-                <a:solidFill>
-                  <a:srgbClr val="231F20"/>
-                </a:solidFill>
-              </a:rPr>
-              <a:t>Kalman</a:t>
-            </a:r>
-            <a:r>
-              <a:rPr lang="en-IN" dirty="0" smtClean="0">
-                <a:solidFill>
-                  <a:srgbClr val="231F20"/>
-                </a:solidFill>
-              </a:rPr>
-              <a:t> Filter</a:t>
+              <a:t>Kalman Filter</a:t>
             </a:r>
           </a:p>
         </p:txBody>
@@ -16334,6 +16262,13 @@
   <p:transition spd="med">
     <p:fade/>
   </p:transition>
+  <p:timing>
+    <p:tnLst>
+      <p:par>
+        <p:cTn id="1" dur="indefinite" restart="never" nodeType="tmRoot"/>
+      </p:par>
+    </p:tnLst>
+  </p:timing>
 </p:sld>
 </file>
 
@@ -16379,25 +16314,6 @@
       </p:sp>
       <p:sp>
         <p:nvSpPr>
-          <p:cNvPr id="3" name="Text Placeholder 2"/>
-          <p:cNvSpPr>
-            <a:spLocks noGrp="1"/>
-          </p:cNvSpPr>
-          <p:nvPr>
-            <p:ph type="body" sz="quarter" idx="15"/>
-          </p:nvPr>
-        </p:nvSpPr>
-        <p:spPr/>
-        <p:txBody>
-          <a:bodyPr/>
-          <a:lstStyle/>
-          <a:p>
-            <a:endParaRPr lang="en-US"/>
-          </a:p>
-        </p:txBody>
-      </p:sp>
-      <p:sp>
-        <p:nvSpPr>
           <p:cNvPr id="4" name="Title 3"/>
           <p:cNvSpPr>
             <a:spLocks noGrp="1"/>
@@ -16413,7 +16329,7 @@
           <a:p>
             <a:r>
               <a:rPr lang="en-IN" dirty="0" smtClean="0"/>
-              <a:t>Why Threshold? Cant use - Precision and Recall</a:t>
+              <a:t>Algorithm Control in Unsupervised Anomaly Detection - Threshold</a:t>
             </a:r>
             <a:endParaRPr lang="en-US" dirty="0"/>
           </a:p>
@@ -16427,8 +16343,8 @@
         </p:nvSpPr>
         <p:spPr>
           <a:xfrm>
-            <a:off x="541867" y="1049867"/>
-            <a:ext cx="7230533" cy="4186787"/>
+            <a:off x="457200" y="869357"/>
+            <a:ext cx="7230533" cy="4340675"/>
           </a:xfrm>
           <a:prstGeom prst="rect">
             <a:avLst/>
@@ -16450,12 +16366,16 @@
               </a:spcBef>
             </a:pPr>
             <a:r>
-              <a:rPr lang="en-IN" dirty="0" smtClean="0">
-                <a:solidFill>
-                  <a:srgbClr val="231F20"/>
-                </a:solidFill>
-              </a:rPr>
-              <a:t>Precision – Out of 100 data points how many where predicted as Anomalies correctly. </a:t>
+              <a:rPr lang="en-IN" sz="1400" dirty="0" smtClean="0"/>
+              <a:t>Why </a:t>
+            </a:r>
+            <a:r>
+              <a:rPr lang="en-IN" sz="1400" dirty="0"/>
+              <a:t>Threshold? Cant use - Precision and </a:t>
+            </a:r>
+            <a:r>
+              <a:rPr lang="en-IN" sz="1400" dirty="0" smtClean="0"/>
+              <a:t>Recall like in Supervised learning</a:t>
             </a:r>
           </a:p>
           <a:p>
@@ -16468,36 +16388,12 @@
               </a:spcBef>
             </a:pPr>
             <a:r>
-              <a:rPr lang="en-IN" dirty="0">
+              <a:rPr lang="en-IN" sz="1400" dirty="0" smtClean="0">
                 <a:solidFill>
                   <a:srgbClr val="231F20"/>
                 </a:solidFill>
               </a:rPr>
-              <a:t>So if we predicted 20 as anomalies and out of 20, 15 are actually anomalies then your </a:t>
-            </a:r>
-            <a:r>
-              <a:rPr lang="en-IN" dirty="0" smtClean="0">
-                <a:solidFill>
-                  <a:srgbClr val="231F20"/>
-                </a:solidFill>
-              </a:rPr>
-              <a:t>precision </a:t>
-            </a:r>
-            <a:r>
-              <a:rPr lang="en-IN" dirty="0">
-                <a:solidFill>
-                  <a:srgbClr val="231F20"/>
-                </a:solidFill>
-              </a:rPr>
-              <a:t>is 15/20 = .</a:t>
-            </a:r>
-            <a:r>
-              <a:rPr lang="en-IN" dirty="0" smtClean="0">
-                <a:solidFill>
-                  <a:srgbClr val="231F20"/>
-                </a:solidFill>
-              </a:rPr>
-              <a:t>75</a:t>
+              <a:t>Let say we have 100 data points and 20 Anomalies in the same.</a:t>
             </a:r>
           </a:p>
           <a:p>
@@ -16509,11 +16405,38 @@
                 <a:spcPts val="400"/>
               </a:spcBef>
             </a:pPr>
-            <a:endParaRPr lang="en-IN" dirty="0" smtClean="0">
-              <a:solidFill>
-                <a:srgbClr val="231F20"/>
-              </a:solidFill>
-            </a:endParaRPr>
+            <a:r>
+              <a:rPr lang="en-IN" sz="1400" dirty="0">
+                <a:solidFill>
+                  <a:srgbClr val="231F20"/>
+                </a:solidFill>
+              </a:rPr>
+              <a:t>if we predicted 25 as anomalies but out of 25, 15 are </a:t>
+            </a:r>
+            <a:r>
+              <a:rPr lang="en-IN" sz="1400" b="1" dirty="0">
+                <a:solidFill>
+                  <a:srgbClr val="231F20"/>
+                </a:solidFill>
+              </a:rPr>
+              <a:t>actually</a:t>
+            </a:r>
+            <a:r>
+              <a:rPr lang="en-IN" sz="1400" dirty="0">
+                <a:solidFill>
+                  <a:srgbClr val="231F20"/>
+                </a:solidFill>
+              </a:rPr>
+              <a:t> </a:t>
+            </a:r>
+            <a:r>
+              <a:rPr lang="en-IN" sz="1400" dirty="0" smtClean="0">
+                <a:solidFill>
+                  <a:srgbClr val="231F20"/>
+                </a:solidFill>
+              </a:rPr>
+              <a:t>anomalies and rest 10 are errors</a:t>
+            </a:r>
           </a:p>
           <a:p>
             <a:pPr>
@@ -16525,12 +16448,60 @@
               </a:spcBef>
             </a:pPr>
             <a:r>
-              <a:rPr lang="en-IN" dirty="0" smtClean="0">
+              <a:rPr lang="en-IN" sz="1400" dirty="0" smtClean="0">
                 <a:solidFill>
                   <a:srgbClr val="231F20"/>
                 </a:solidFill>
               </a:rPr>
-              <a:t>Recall – Out of 100, lets say 22 are anomalies</a:t>
+              <a:t>Precision –then </a:t>
+            </a:r>
+            <a:r>
+              <a:rPr lang="en-IN" sz="1400" dirty="0">
+                <a:solidFill>
+                  <a:srgbClr val="231F20"/>
+                </a:solidFill>
+              </a:rPr>
+              <a:t>your </a:t>
+            </a:r>
+            <a:r>
+              <a:rPr lang="en-IN" sz="1400" dirty="0" smtClean="0">
+                <a:solidFill>
+                  <a:srgbClr val="231F20"/>
+                </a:solidFill>
+              </a:rPr>
+              <a:t>precision </a:t>
+            </a:r>
+            <a:r>
+              <a:rPr lang="en-IN" sz="1400" dirty="0">
+                <a:solidFill>
+                  <a:srgbClr val="231F20"/>
+                </a:solidFill>
+              </a:rPr>
+              <a:t>is </a:t>
+            </a:r>
+            <a:r>
+              <a:rPr lang="en-IN" sz="1400" dirty="0" smtClean="0">
+                <a:solidFill>
+                  <a:srgbClr val="231F20"/>
+                </a:solidFill>
+              </a:rPr>
+              <a:t>15/25 </a:t>
+            </a:r>
+            <a:r>
+              <a:rPr lang="en-IN" sz="1400" dirty="0">
+                <a:solidFill>
+                  <a:srgbClr val="231F20"/>
+                </a:solidFill>
+              </a:rPr>
+              <a:t>= </a:t>
+            </a:r>
+            <a:r>
+              <a:rPr lang="en-IN" sz="1400" dirty="0" smtClean="0">
+                <a:solidFill>
+                  <a:srgbClr val="231F20"/>
+                </a:solidFill>
+              </a:rPr>
+              <a:t>0.60</a:t>
             </a:r>
           </a:p>
           <a:p>
@@ -16542,55 +16513,7 @@
                 <a:spcPts val="400"/>
               </a:spcBef>
             </a:pPr>
-            <a:r>
-              <a:rPr lang="en-IN" dirty="0">
-                <a:solidFill>
-                  <a:srgbClr val="231F20"/>
-                </a:solidFill>
-              </a:rPr>
-              <a:t>So if we predicted 20 as anomalies and out of 20, 15 are actually anomalies then your </a:t>
-            </a:r>
-            <a:r>
-              <a:rPr lang="en-IN" dirty="0" smtClean="0">
-                <a:solidFill>
-                  <a:srgbClr val="231F20"/>
-                </a:solidFill>
-              </a:rPr>
-              <a:t>recall </a:t>
-            </a:r>
-            <a:r>
-              <a:rPr lang="en-IN" dirty="0">
-                <a:solidFill>
-                  <a:srgbClr val="231F20"/>
-                </a:solidFill>
-              </a:rPr>
-              <a:t>is </a:t>
-            </a:r>
-            <a:r>
-              <a:rPr lang="en-IN" dirty="0" smtClean="0">
-                <a:solidFill>
-                  <a:srgbClr val="231F20"/>
-                </a:solidFill>
-              </a:rPr>
-              <a:t>15/22 </a:t>
-            </a:r>
-            <a:r>
-              <a:rPr lang="en-IN" dirty="0">
-                <a:solidFill>
-                  <a:srgbClr val="231F20"/>
-                </a:solidFill>
-              </a:rPr>
-              <a:t>= </a:t>
-            </a:r>
-            <a:r>
-              <a:rPr lang="en-IN" dirty="0" smtClean="0">
-                <a:solidFill>
-                  <a:srgbClr val="231F20"/>
-                </a:solidFill>
-              </a:rPr>
-              <a:t>.68</a:t>
-            </a:r>
-            <a:endParaRPr lang="en-IN" dirty="0">
+            <a:endParaRPr lang="en-IN" sz="1400" dirty="0" smtClean="0">
               <a:solidFill>
                 <a:srgbClr val="231F20"/>
               </a:solidFill>
@@ -16605,7 +16528,63 @@
                 <a:spcPts val="400"/>
               </a:spcBef>
             </a:pPr>
-            <a:endParaRPr lang="en-IN" dirty="0" smtClean="0">
+            <a:r>
+              <a:rPr lang="en-IN" sz="1400" dirty="0" smtClean="0">
+                <a:solidFill>
+                  <a:srgbClr val="231F20"/>
+                </a:solidFill>
+              </a:rPr>
+              <a:t>Recall – then </a:t>
+            </a:r>
+            <a:r>
+              <a:rPr lang="en-IN" sz="1400" dirty="0">
+                <a:solidFill>
+                  <a:srgbClr val="231F20"/>
+                </a:solidFill>
+              </a:rPr>
+              <a:t>your </a:t>
+            </a:r>
+            <a:r>
+              <a:rPr lang="en-IN" sz="1400" dirty="0" smtClean="0">
+                <a:solidFill>
+                  <a:srgbClr val="231F20"/>
+                </a:solidFill>
+              </a:rPr>
+              <a:t>recall </a:t>
+            </a:r>
+            <a:r>
+              <a:rPr lang="en-IN" sz="1400" dirty="0">
+                <a:solidFill>
+                  <a:srgbClr val="231F20"/>
+                </a:solidFill>
+              </a:rPr>
+              <a:t>is </a:t>
+            </a:r>
+            <a:r>
+              <a:rPr lang="en-IN" sz="1400" dirty="0" smtClean="0">
+                <a:solidFill>
+                  <a:srgbClr val="231F20"/>
+                </a:solidFill>
+              </a:rPr>
+              <a:t>15/20 </a:t>
+            </a:r>
+            <a:r>
+              <a:rPr lang="en-IN" sz="1400" dirty="0">
+                <a:solidFill>
+                  <a:srgbClr val="231F20"/>
+                </a:solidFill>
+              </a:rPr>
+              <a:t>= </a:t>
+            </a:r>
+            <a:r>
+              <a:rPr lang="en-IN" sz="1400" dirty="0" smtClean="0">
+                <a:solidFill>
+                  <a:srgbClr val="231F20"/>
+                </a:solidFill>
+              </a:rPr>
+              <a:t>0.75</a:t>
+            </a:r>
+            <a:endParaRPr lang="en-IN" sz="1400" dirty="0">
               <a:solidFill>
                 <a:srgbClr val="231F20"/>
               </a:solidFill>
@@ -16620,14 +16599,11 @@
                 <a:spcPts val="400"/>
               </a:spcBef>
             </a:pPr>
-            <a:r>
-              <a:rPr lang="en-IN" dirty="0" smtClean="0">
-                <a:solidFill>
-                  <a:srgbClr val="231F20"/>
-                </a:solidFill>
-              </a:rPr>
-              <a:t>If we predicted all 100 as anomalies then your recall will be 100% but Precision will be 15/100 =  .15</a:t>
-            </a:r>
+            <a:endParaRPr lang="en-IN" sz="1400" dirty="0" smtClean="0">
+              <a:solidFill>
+                <a:srgbClr val="231F20"/>
+              </a:solidFill>
+            </a:endParaRPr>
           </a:p>
           <a:p>
             <a:pPr>
@@ -16639,18 +16615,13 @@
               </a:spcBef>
             </a:pPr>
             <a:r>
-              <a:rPr lang="en-IN" dirty="0" smtClean="0"/>
-              <a:t>Precision </a:t>
-            </a:r>
-            <a:r>
-              <a:rPr lang="en-IN" dirty="0"/>
-              <a:t>is "how useful the search results are", and recall is "how complete the results are".</a:t>
-            </a:r>
-            <a:endParaRPr lang="en-IN" dirty="0">
-              <a:solidFill>
-                <a:srgbClr val="231F20"/>
-              </a:solidFill>
-            </a:endParaRPr>
+              <a:rPr lang="en-IN" sz="1400" dirty="0" smtClean="0">
+                <a:solidFill>
+                  <a:srgbClr val="231F20"/>
+                </a:solidFill>
+              </a:rPr>
+              <a:t>If we predicted all 100 as anomalies then your recall will be 100% but Precision will be 15/100 =  .15</a:t>
+            </a:r>
           </a:p>
           <a:p>
             <a:pPr>
@@ -16661,7 +16632,83 @@
                 <a:spcPts val="400"/>
               </a:spcBef>
             </a:pPr>
-            <a:endParaRPr lang="en-US" dirty="0" err="1" smtClean="0">
+            <a:r>
+              <a:rPr lang="en-IN" sz="1400" dirty="0" smtClean="0"/>
+              <a:t>Precision </a:t>
+            </a:r>
+            <a:r>
+              <a:rPr lang="en-IN" sz="1400" dirty="0"/>
+              <a:t>is "how useful the search results are", and recall is "how complete the results are</a:t>
+            </a:r>
+            <a:r>
+              <a:rPr lang="en-IN" sz="1400" dirty="0" smtClean="0"/>
+              <a:t>". We have to strike balance between the two.</a:t>
+            </a:r>
+          </a:p>
+          <a:p>
+            <a:pPr>
+              <a:lnSpc>
+                <a:spcPct val="95000"/>
+              </a:lnSpc>
+              <a:spcBef>
+                <a:spcPts val="400"/>
+              </a:spcBef>
+            </a:pPr>
+            <a:endParaRPr lang="en-IN" sz="1400" dirty="0">
+              <a:solidFill>
+                <a:srgbClr val="231F20"/>
+              </a:solidFill>
+            </a:endParaRPr>
+          </a:p>
+          <a:p>
+            <a:pPr>
+              <a:lnSpc>
+                <a:spcPct val="95000"/>
+              </a:lnSpc>
+              <a:spcBef>
+                <a:spcPts val="400"/>
+              </a:spcBef>
+            </a:pPr>
+            <a:r>
+              <a:rPr lang="en-IN" sz="1400" dirty="0" smtClean="0">
+                <a:solidFill>
+                  <a:srgbClr val="231F20"/>
+                </a:solidFill>
+              </a:rPr>
+              <a:t>In Unsupervised learning, since we don’t have label data above measures can’t be calculated so to control the algorithm we use a cut-off point/Threshold which helps us keep tab on no of anomalies detected. Threshold help us control how much % of the total dataset to be classified </a:t>
+            </a:r>
+            <a:r>
+              <a:rPr lang="en-IN" sz="1400" dirty="0">
+                <a:solidFill>
+                  <a:srgbClr val="231F20"/>
+                </a:solidFill>
+              </a:rPr>
+              <a:t>a</a:t>
+            </a:r>
+            <a:r>
+              <a:rPr lang="en-IN" sz="1400" dirty="0" smtClean="0">
+                <a:solidFill>
+                  <a:srgbClr val="231F20"/>
+                </a:solidFill>
+              </a:rPr>
+              <a:t>s anomalies.</a:t>
+            </a:r>
+            <a:endParaRPr lang="en-IN" sz="1400" dirty="0">
+              <a:solidFill>
+                <a:srgbClr val="231F20"/>
+              </a:solidFill>
+            </a:endParaRPr>
+          </a:p>
+          <a:p>
+            <a:pPr>
+              <a:lnSpc>
+                <a:spcPct val="95000"/>
+              </a:lnSpc>
+              <a:spcBef>
+                <a:spcPts val="400"/>
+              </a:spcBef>
+            </a:pPr>
+            <a:endParaRPr lang="en-US" sz="1400" dirty="0" err="1" smtClean="0">
               <a:solidFill>
                 <a:srgbClr val="231F20"/>
               </a:solidFill>
@@ -16682,6 +16729,13 @@
   <p:transition spd="med">
     <p:fade/>
   </p:transition>
+  <p:timing>
+    <p:tnLst>
+      <p:par>
+        <p:cTn id="1" dur="indefinite" restart="never" nodeType="tmRoot"/>
+      </p:par>
+    </p:tnLst>
+  </p:timing>
 </p:sld>
 </file>
 
@@ -16704,12 +16758,12 @@
       </p:grpSpPr>
       <p:sp>
         <p:nvSpPr>
-          <p:cNvPr id="6" name="Text Placeholder 5"/>
+          <p:cNvPr id="5" name="Title 4"/>
           <p:cNvSpPr>
             <a:spLocks noGrp="1"/>
           </p:cNvSpPr>
           <p:nvPr>
-            <p:ph type="body" sz="quarter" idx="15"/>
+            <p:ph type="title"/>
           </p:nvPr>
         </p:nvSpPr>
         <p:spPr/>
@@ -16717,10 +16771,173 @@
           <a:bodyPr/>
           <a:lstStyle/>
           <a:p>
-            <a:endParaRPr lang="en-US"/>
+            <a:r>
+              <a:rPr lang="en-IN" dirty="0" smtClean="0"/>
+              <a:t>Isolation Forest</a:t>
+            </a:r>
+            <a:endParaRPr lang="en-US" dirty="0"/>
           </a:p>
         </p:txBody>
       </p:sp>
+      <p:sp>
+        <p:nvSpPr>
+          <p:cNvPr id="7" name="TextBox 6"/>
+          <p:cNvSpPr txBox="1"/>
+          <p:nvPr/>
+        </p:nvSpPr>
+        <p:spPr>
+          <a:xfrm>
+            <a:off x="516467" y="990600"/>
+            <a:ext cx="4433027" cy="4247317"/>
+          </a:xfrm>
+          <a:prstGeom prst="rect">
+            <a:avLst/>
+          </a:prstGeom>
+          <a:noFill/>
+        </p:spPr>
+        <p:txBody>
+          <a:bodyPr wrap="square" rtlCol="0">
+            <a:spAutoFit/>
+          </a:bodyPr>
+          <a:lstStyle/>
+          <a:p>
+            <a:r>
+              <a:rPr lang="en-IN" dirty="0" smtClean="0"/>
+              <a:t>The </a:t>
+            </a:r>
+            <a:r>
+              <a:rPr lang="en-IN" dirty="0"/>
+              <a:t>Isolation Forest algorithm isolates observations by randomly selecting a feature and then randomly selecting a split value between the maximum and minimum values of the selected feature. The logic arguments goes: isolating anomaly observations is easier as only a few conditions are needed to separate those cases from the normal observations. On the other hand, isolating normal observations require more conditions. Therefore, an anomaly score can be calculated as the number of conditions required to separate a given observation.</a:t>
+            </a:r>
+          </a:p>
+        </p:txBody>
+      </p:sp>
+      <p:sp>
+        <p:nvSpPr>
+          <p:cNvPr id="2" name="AutoShape 2" descr="Image result for support vector machine"/>
+          <p:cNvSpPr>
+            <a:spLocks noChangeAspect="1" noChangeArrowheads="1"/>
+          </p:cNvSpPr>
+          <p:nvPr/>
+        </p:nvSpPr>
+        <p:spPr bwMode="auto">
+          <a:xfrm>
+            <a:off x="155575" y="-144463"/>
+            <a:ext cx="304800" cy="304801"/>
+          </a:xfrm>
+          <a:prstGeom prst="rect">
+            <a:avLst/>
+          </a:prstGeom>
+          <a:noFill/>
+          <a:extLst>
+            <a:ext uri="{909E8E84-426E-40DD-AFC4-6F175D3DCCD1}">
+              <a14:hiddenFill xmlns:a14="http://schemas.microsoft.com/office/drawing/2010/main">
+                <a:solidFill>
+                  <a:srgbClr val="FFFFFF"/>
+                </a:solidFill>
+              </a14:hiddenFill>
+            </a:ext>
+          </a:extLst>
+        </p:spPr>
+        <p:txBody>
+          <a:bodyPr vert="horz" wrap="square" lIns="91440" tIns="45720" rIns="91440" bIns="45720" numCol="1" anchor="t" anchorCtr="0" compatLnSpc="1">
+            <a:prstTxWarp prst="textNoShape">
+              <a:avLst/>
+            </a:prstTxWarp>
+          </a:bodyPr>
+          <a:lstStyle/>
+          <a:p>
+            <a:endParaRPr lang="en-US"/>
+          </a:p>
+        </p:txBody>
+      </p:sp>
+      <p:pic>
+        <p:nvPicPr>
+          <p:cNvPr id="4098" name="Picture 2"/>
+          <p:cNvPicPr>
+            <a:picLocks noChangeAspect="1" noChangeArrowheads="1"/>
+          </p:cNvPicPr>
+          <p:nvPr/>
+        </p:nvPicPr>
+        <p:blipFill rotWithShape="1">
+          <a:blip r:embed="rId2">
+            <a:extLst>
+              <a:ext uri="{28A0092B-C50C-407E-A947-70E740481C1C}">
+                <a14:useLocalDpi xmlns:a14="http://schemas.microsoft.com/office/drawing/2010/main" val="0"/>
+              </a:ext>
+            </a:extLst>
+          </a:blip>
+          <a:srcRect l="10486" t="38395" r="48681" b="16914"/>
+          <a:stretch/>
+        </p:blipFill>
+        <p:spPr bwMode="auto">
+          <a:xfrm>
+            <a:off x="4881761" y="1193800"/>
+            <a:ext cx="4194506" cy="2582333"/>
+          </a:xfrm>
+          <a:prstGeom prst="rect">
+            <a:avLst/>
+          </a:prstGeom>
+          <a:noFill/>
+          <a:ln w="15875">
+            <a:solidFill>
+              <a:schemeClr val="tx1"/>
+            </a:solidFill>
+            <a:miter lim="800000"/>
+            <a:headEnd/>
+            <a:tailEnd/>
+          </a:ln>
+          <a:extLst>
+            <a:ext uri="{909E8E84-426E-40DD-AFC4-6F175D3DCCD1}">
+              <a14:hiddenFill xmlns:a14="http://schemas.microsoft.com/office/drawing/2010/main">
+                <a:solidFill>
+                  <a:schemeClr val="accent1"/>
+                </a:solidFill>
+              </a14:hiddenFill>
+            </a:ext>
+          </a:extLst>
+        </p:spPr>
+      </p:pic>
+    </p:spTree>
+    <p:extLst>
+      <p:ext uri="{BB962C8B-B14F-4D97-AF65-F5344CB8AC3E}">
+        <p14:creationId xmlns:p14="http://schemas.microsoft.com/office/powerpoint/2010/main" val="737282785"/>
+      </p:ext>
+    </p:extLst>
+  </p:cSld>
+  <p:clrMapOvr>
+    <a:masterClrMapping/>
+  </p:clrMapOvr>
+  <p:transition spd="med">
+    <p:fade/>
+  </p:transition>
+  <p:timing>
+    <p:tnLst>
+      <p:par>
+        <p:cTn id="1" dur="indefinite" restart="never" nodeType="tmRoot"/>
+      </p:par>
+    </p:tnLst>
+  </p:timing>
+</p:sld>
+</file>
+
+<file path=ppt/slides/slide8.xml><?xml version="1.0" encoding="utf-8"?>
+<p:sld xmlns:a="http://schemas.openxmlformats.org/drawingml/2006/main" xmlns:r="http://schemas.openxmlformats.org/officeDocument/2006/relationships" xmlns:p="http://schemas.openxmlformats.org/presentationml/2006/main">
+  <p:cSld>
+    <p:spTree>
+      <p:nvGrpSpPr>
+        <p:cNvPr id="1" name=""/>
+        <p:cNvGrpSpPr/>
+        <p:nvPr/>
+      </p:nvGrpSpPr>
+      <p:grpSpPr>
+        <a:xfrm>
+          <a:off x="0" y="0"/>
+          <a:ext cx="0" cy="0"/>
+          <a:chOff x="0" y="0"/>
+          <a:chExt cx="0" cy="0"/>
+        </a:xfrm>
+      </p:grpSpPr>
       <p:sp>
         <p:nvSpPr>
           <p:cNvPr id="5" name="Title 4"/>
@@ -16738,6 +16955,202 @@
           <a:p>
             <a:r>
               <a:rPr lang="en-IN" dirty="0" smtClean="0"/>
+              <a:t>Isolation Forest</a:t>
+            </a:r>
+            <a:endParaRPr lang="en-US" dirty="0"/>
+          </a:p>
+        </p:txBody>
+      </p:sp>
+      <p:sp>
+        <p:nvSpPr>
+          <p:cNvPr id="2" name="AutoShape 2" descr="Image result for support vector machine"/>
+          <p:cNvSpPr>
+            <a:spLocks noChangeAspect="1" noChangeArrowheads="1"/>
+          </p:cNvSpPr>
+          <p:nvPr/>
+        </p:nvSpPr>
+        <p:spPr bwMode="auto">
+          <a:xfrm>
+            <a:off x="155575" y="-144463"/>
+            <a:ext cx="304800" cy="304801"/>
+          </a:xfrm>
+          <a:prstGeom prst="rect">
+            <a:avLst/>
+          </a:prstGeom>
+          <a:noFill/>
+          <a:extLst>
+            <a:ext uri="{909E8E84-426E-40DD-AFC4-6F175D3DCCD1}">
+              <a14:hiddenFill xmlns:a14="http://schemas.microsoft.com/office/drawing/2010/main">
+                <a:solidFill>
+                  <a:srgbClr val="FFFFFF"/>
+                </a:solidFill>
+              </a14:hiddenFill>
+            </a:ext>
+          </a:extLst>
+        </p:spPr>
+        <p:txBody>
+          <a:bodyPr vert="horz" wrap="square" lIns="91440" tIns="45720" rIns="91440" bIns="45720" numCol="1" anchor="t" anchorCtr="0" compatLnSpc="1">
+            <a:prstTxWarp prst="textNoShape">
+              <a:avLst/>
+            </a:prstTxWarp>
+          </a:bodyPr>
+          <a:lstStyle/>
+          <a:p>
+            <a:endParaRPr lang="en-US"/>
+          </a:p>
+        </p:txBody>
+      </p:sp>
+      <p:pic>
+        <p:nvPicPr>
+          <p:cNvPr id="5122" name="Picture 2"/>
+          <p:cNvPicPr>
+            <a:picLocks noChangeAspect="1" noChangeArrowheads="1"/>
+          </p:cNvPicPr>
+          <p:nvPr/>
+        </p:nvPicPr>
+        <p:blipFill rotWithShape="1">
+          <a:blip r:embed="rId2">
+            <a:extLst>
+              <a:ext uri="{28A0092B-C50C-407E-A947-70E740481C1C}">
+                <a14:useLocalDpi xmlns:a14="http://schemas.microsoft.com/office/drawing/2010/main" val="0"/>
+              </a:ext>
+            </a:extLst>
+          </a:blip>
+          <a:srcRect l="24514" t="29259" r="38750" b="25516"/>
+          <a:stretch/>
+        </p:blipFill>
+        <p:spPr bwMode="auto">
+          <a:xfrm>
+            <a:off x="155575" y="1216492"/>
+            <a:ext cx="4419939" cy="3060702"/>
+          </a:xfrm>
+          <a:prstGeom prst="rect">
+            <a:avLst/>
+          </a:prstGeom>
+          <a:noFill/>
+          <a:ln w="15875">
+            <a:solidFill>
+              <a:schemeClr val="tx1"/>
+            </a:solidFill>
+            <a:miter lim="800000"/>
+            <a:headEnd/>
+            <a:tailEnd/>
+          </a:ln>
+          <a:extLst>
+            <a:ext uri="{909E8E84-426E-40DD-AFC4-6F175D3DCCD1}">
+              <a14:hiddenFill xmlns:a14="http://schemas.microsoft.com/office/drawing/2010/main">
+                <a:solidFill>
+                  <a:schemeClr val="accent1"/>
+                </a:solidFill>
+              </a14:hiddenFill>
+            </a:ext>
+          </a:extLst>
+        </p:spPr>
+      </p:pic>
+      <p:pic>
+        <p:nvPicPr>
+          <p:cNvPr id="5123" name="Picture 3"/>
+          <p:cNvPicPr>
+            <a:picLocks noChangeAspect="1" noChangeArrowheads="1"/>
+          </p:cNvPicPr>
+          <p:nvPr/>
+        </p:nvPicPr>
+        <p:blipFill rotWithShape="1">
+          <a:blip r:embed="rId3">
+            <a:extLst>
+              <a:ext uri="{28A0092B-C50C-407E-A947-70E740481C1C}">
+                <a14:useLocalDpi xmlns:a14="http://schemas.microsoft.com/office/drawing/2010/main" val="0"/>
+              </a:ext>
+            </a:extLst>
+          </a:blip>
+          <a:srcRect l="24375" t="29013" r="38472" b="25000"/>
+          <a:stretch/>
+        </p:blipFill>
+        <p:spPr bwMode="auto">
+          <a:xfrm>
+            <a:off x="4621094" y="1216492"/>
+            <a:ext cx="4395907" cy="3060702"/>
+          </a:xfrm>
+          <a:prstGeom prst="rect">
+            <a:avLst/>
+          </a:prstGeom>
+          <a:noFill/>
+          <a:ln w="15875">
+            <a:solidFill>
+              <a:schemeClr val="tx1"/>
+            </a:solidFill>
+            <a:miter lim="800000"/>
+            <a:headEnd/>
+            <a:tailEnd/>
+          </a:ln>
+          <a:extLst>
+            <a:ext uri="{909E8E84-426E-40DD-AFC4-6F175D3DCCD1}">
+              <a14:hiddenFill xmlns:a14="http://schemas.microsoft.com/office/drawing/2010/main">
+                <a:solidFill>
+                  <a:schemeClr val="accent1"/>
+                </a:solidFill>
+              </a14:hiddenFill>
+            </a:ext>
+          </a:extLst>
+        </p:spPr>
+      </p:pic>
+    </p:spTree>
+    <p:extLst>
+      <p:ext uri="{BB962C8B-B14F-4D97-AF65-F5344CB8AC3E}">
+        <p14:creationId xmlns:p14="http://schemas.microsoft.com/office/powerpoint/2010/main" val="3859685123"/>
+      </p:ext>
+    </p:extLst>
+  </p:cSld>
+  <p:clrMapOvr>
+    <a:masterClrMapping/>
+  </p:clrMapOvr>
+  <p:transition spd="med">
+    <p:fade/>
+  </p:transition>
+  <p:timing>
+    <p:tnLst>
+      <p:par>
+        <p:cTn id="1" dur="indefinite" restart="never" nodeType="tmRoot"/>
+      </p:par>
+    </p:tnLst>
+  </p:timing>
+</p:sld>
+</file>
+
+<file path=ppt/slides/slide9.xml><?xml version="1.0" encoding="utf-8"?>
+<p:sld xmlns:a="http://schemas.openxmlformats.org/drawingml/2006/main" xmlns:r="http://schemas.openxmlformats.org/officeDocument/2006/relationships" xmlns:p="http://schemas.openxmlformats.org/presentationml/2006/main">
+  <p:cSld>
+    <p:spTree>
+      <p:nvGrpSpPr>
+        <p:cNvPr id="1" name=""/>
+        <p:cNvGrpSpPr/>
+        <p:nvPr/>
+      </p:nvGrpSpPr>
+      <p:grpSpPr>
+        <a:xfrm>
+          <a:off x="0" y="0"/>
+          <a:ext cx="0" cy="0"/>
+          <a:chOff x="0" y="0"/>
+          <a:chExt cx="0" cy="0"/>
+        </a:xfrm>
+      </p:grpSpPr>
+      <p:sp>
+        <p:nvSpPr>
+          <p:cNvPr id="5" name="Title 4"/>
+          <p:cNvSpPr>
+            <a:spLocks noGrp="1"/>
+          </p:cNvSpPr>
+          <p:nvPr>
+            <p:ph type="title"/>
+          </p:nvPr>
+        </p:nvSpPr>
+        <p:spPr/>
+        <p:txBody>
+          <a:bodyPr/>
+          <a:lstStyle/>
+          <a:p>
+            <a:r>
+              <a:rPr lang="en-IN" dirty="0" smtClean="0"/>
               <a:t>One class SVM</a:t>
             </a:r>
             <a:endParaRPr lang="en-US" dirty="0"/>
@@ -16753,7 +17166,7 @@
         <p:spPr>
           <a:xfrm>
             <a:off x="516467" y="990600"/>
-            <a:ext cx="4224865" cy="2986972"/>
+            <a:ext cx="4224865" cy="4039567"/>
           </a:xfrm>
           <a:prstGeom prst="rect">
             <a:avLst/>
@@ -16791,32 +17204,16 @@
               <a:t>) and maximizes the distance from this </a:t>
             </a:r>
             <a:r>
-              <a:rPr lang="en-IN" dirty="0" err="1"/>
-              <a:t>hyperplane</a:t>
+              <a:rPr lang="en-IN" dirty="0" smtClean="0"/>
+              <a:t>hyper-plane </a:t>
             </a:r>
             <a:r>
               <a:rPr lang="en-IN" dirty="0"/>
-              <a:t> to the origin. This results in a binary function which captures regions in the input space where the probability density of the data lives. Thus the function returns </a:t>
-            </a:r>
-            <a:r>
-              <a:rPr lang="en-IN" dirty="0"/>
-              <a:t>+1</a:t>
-            </a:r>
-            <a:r>
-              <a:rPr lang="en-IN" dirty="0"/>
-              <a:t> in a “small” region (capturing the training data points) and </a:t>
-            </a:r>
-            <a:r>
-              <a:rPr lang="en-IN" dirty="0"/>
-              <a:t>−1</a:t>
-            </a:r>
-            <a:r>
-              <a:rPr lang="en-IN" dirty="0"/>
-              <a:t> elsewhere</a:t>
+              <a:t>to the origin. This results in a binary function which captures regions in the input space where the probability density of the data lives. Thus the function returns +1 in a “small” region (capturing the training data points) and −1 elsewhere</a:t>
             </a:r>
             <a:r>
               <a:rPr lang="en-IN" dirty="0" smtClean="0"/>
-              <a:t>.</a:t>
+              <a:t>. In Unsupervised learning the vectors which are close to origin form one class and which are away from it becomes another class</a:t>
             </a:r>
             <a:endParaRPr lang="en-IN" dirty="0" smtClean="0">
               <a:solidFill>
@@ -16888,13 +17285,18 @@
         </p:blipFill>
         <p:spPr bwMode="auto">
           <a:xfrm>
-            <a:off x="5545668" y="889214"/>
-            <a:ext cx="3259666" cy="2790166"/>
+            <a:off x="5139268" y="643681"/>
+            <a:ext cx="3429000" cy="2790166"/>
           </a:xfrm>
           <a:prstGeom prst="rect">
             <a:avLst/>
           </a:prstGeom>
           <a:noFill/>
+          <a:ln w="15875">
+            <a:solidFill>
+              <a:schemeClr val="tx1"/>
+            </a:solidFill>
+          </a:ln>
           <a:extLst>
             <a:ext uri="{909E8E84-426E-40DD-AFC4-6F175D3DCCD1}">
               <a14:hiddenFill xmlns:a14="http://schemas.microsoft.com/office/drawing/2010/main">
@@ -16902,6 +17304,58 @@
                   <a:srgbClr val="FFFFFF"/>
                 </a:solidFill>
               </a14:hiddenFill>
+            </a:ext>
+          </a:extLst>
+        </p:spPr>
+      </p:pic>
+      <p:pic>
+        <p:nvPicPr>
+          <p:cNvPr id="1026" name="Picture 2"/>
+          <p:cNvPicPr>
+            <a:picLocks noChangeAspect="1" noChangeArrowheads="1"/>
+          </p:cNvPicPr>
+          <p:nvPr/>
+        </p:nvPicPr>
+        <p:blipFill rotWithShape="1">
+          <a:blip r:embed="rId3">
+            <a:extLst>
+              <a:ext uri="{28A0092B-C50C-407E-A947-70E740481C1C}">
+                <a14:useLocalDpi xmlns:a14="http://schemas.microsoft.com/office/drawing/2010/main" val="0"/>
+              </a:ext>
+            </a:extLst>
+          </a:blip>
+          <a:srcRect l="18681" t="30864" r="53194" b="49260"/>
+          <a:stretch/>
+        </p:blipFill>
+        <p:spPr bwMode="auto">
+          <a:xfrm>
+            <a:off x="5139268" y="3433847"/>
+            <a:ext cx="3429001" cy="1363134"/>
+          </a:xfrm>
+          <a:prstGeom prst="rect">
+            <a:avLst/>
+          </a:prstGeom>
+          <a:noFill/>
+          <a:ln>
+            <a:noFill/>
+          </a:ln>
+          <a:extLst>
+            <a:ext uri="{909E8E84-426E-40DD-AFC4-6F175D3DCCD1}">
+              <a14:hiddenFill xmlns:a14="http://schemas.microsoft.com/office/drawing/2010/main">
+                <a:solidFill>
+                  <a:schemeClr val="accent1"/>
+                </a:solidFill>
+              </a14:hiddenFill>
+            </a:ext>
+            <a:ext uri="{91240B29-F687-4F45-9708-019B960494DF}">
+              <a14:hiddenLine xmlns:a14="http://schemas.microsoft.com/office/drawing/2010/main" w="9525">
+                <a:solidFill>
+                  <a:schemeClr val="tx1"/>
+                </a:solidFill>
+                <a:miter lim="800000"/>
+                <a:headEnd/>
+                <a:tailEnd/>
+              </a14:hiddenLine>
             </a:ext>
           </a:extLst>
         </p:spPr>
@@ -16919,413 +17373,13 @@
   <p:transition spd="med">
     <p:fade/>
   </p:transition>
-</p:sld>
-</file>
-
-<file path=ppt/slides/slide8.xml><?xml version="1.0" encoding="utf-8"?>
-<p:sld xmlns:a="http://schemas.openxmlformats.org/drawingml/2006/main" xmlns:r="http://schemas.openxmlformats.org/officeDocument/2006/relationships" xmlns:p="http://schemas.openxmlformats.org/presentationml/2006/main">
-  <p:cSld>
-    <p:spTree>
-      <p:nvGrpSpPr>
-        <p:cNvPr id="1" name=""/>
-        <p:cNvGrpSpPr/>
-        <p:nvPr/>
-      </p:nvGrpSpPr>
-      <p:grpSpPr>
-        <a:xfrm>
-          <a:off x="0" y="0"/>
-          <a:ext cx="0" cy="0"/>
-          <a:chOff x="0" y="0"/>
-          <a:chExt cx="0" cy="0"/>
-        </a:xfrm>
-      </p:grpSpPr>
-      <p:sp>
-        <p:nvSpPr>
-          <p:cNvPr id="6" name="Text Placeholder 5"/>
-          <p:cNvSpPr>
-            <a:spLocks noGrp="1"/>
-          </p:cNvSpPr>
-          <p:nvPr>
-            <p:ph type="body" sz="quarter" idx="15"/>
-          </p:nvPr>
-        </p:nvSpPr>
-        <p:spPr/>
-        <p:txBody>
-          <a:bodyPr/>
-          <a:lstStyle/>
-          <a:p>
-            <a:endParaRPr lang="en-US"/>
-          </a:p>
-        </p:txBody>
-      </p:sp>
-      <p:sp>
-        <p:nvSpPr>
-          <p:cNvPr id="5" name="Title 4"/>
-          <p:cNvSpPr>
-            <a:spLocks noGrp="1"/>
-          </p:cNvSpPr>
-          <p:nvPr>
-            <p:ph type="title"/>
-          </p:nvPr>
-        </p:nvSpPr>
-        <p:spPr/>
-        <p:txBody>
-          <a:bodyPr/>
-          <a:lstStyle/>
-          <a:p>
-            <a:r>
-              <a:rPr lang="en-IN" dirty="0" smtClean="0"/>
-              <a:t>Auto-encoders</a:t>
-            </a:r>
-            <a:endParaRPr lang="en-US" dirty="0"/>
-          </a:p>
-        </p:txBody>
-      </p:sp>
-      <p:sp>
-        <p:nvSpPr>
-          <p:cNvPr id="7" name="TextBox 6"/>
-          <p:cNvSpPr txBox="1"/>
-          <p:nvPr/>
-        </p:nvSpPr>
-        <p:spPr>
-          <a:xfrm>
-            <a:off x="516467" y="990600"/>
-            <a:ext cx="4224865" cy="2723823"/>
-          </a:xfrm>
-          <a:prstGeom prst="rect">
-            <a:avLst/>
-          </a:prstGeom>
-          <a:noFill/>
-        </p:spPr>
-        <p:txBody>
-          <a:bodyPr wrap="square" rtlCol="0">
-            <a:spAutoFit/>
-          </a:bodyPr>
-          <a:lstStyle/>
-          <a:p>
-            <a:pPr>
-              <a:lnSpc>
-                <a:spcPct val="95000"/>
-              </a:lnSpc>
-              <a:spcBef>
-                <a:spcPts val="400"/>
-              </a:spcBef>
-            </a:pPr>
-            <a:r>
-              <a:rPr lang="en-IN" dirty="0" smtClean="0"/>
-              <a:t>Feed forward neural network containing only one hidden layer. Basically output regenerates its inputs by encoding them first and then decoding. This way it collates (encodes) all the information in the short space (Hidden layers) in the process keeps important properties which is seen overall in the dataset and throws out unimportant ones.  </a:t>
-            </a:r>
-            <a:endParaRPr lang="en-IN" dirty="0" smtClean="0">
-              <a:solidFill>
-                <a:srgbClr val="231F20"/>
-              </a:solidFill>
-            </a:endParaRPr>
-          </a:p>
-        </p:txBody>
-      </p:sp>
-      <p:sp>
-        <p:nvSpPr>
-          <p:cNvPr id="2" name="AutoShape 2" descr="Image result for support vector machine"/>
-          <p:cNvSpPr>
-            <a:spLocks noChangeAspect="1" noChangeArrowheads="1"/>
-          </p:cNvSpPr>
-          <p:nvPr/>
-        </p:nvSpPr>
-        <p:spPr bwMode="auto">
-          <a:xfrm>
-            <a:off x="155575" y="-144463"/>
-            <a:ext cx="304800" cy="304801"/>
-          </a:xfrm>
-          <a:prstGeom prst="rect">
-            <a:avLst/>
-          </a:prstGeom>
-          <a:noFill/>
-          <a:extLst>
-            <a:ext uri="{909E8E84-426E-40DD-AFC4-6F175D3DCCD1}">
-              <a14:hiddenFill xmlns:a14="http://schemas.microsoft.com/office/drawing/2010/main">
-                <a:solidFill>
-                  <a:srgbClr val="FFFFFF"/>
-                </a:solidFill>
-              </a14:hiddenFill>
-            </a:ext>
-          </a:extLst>
-        </p:spPr>
-        <p:txBody>
-          <a:bodyPr vert="horz" wrap="square" lIns="91440" tIns="45720" rIns="91440" bIns="45720" numCol="1" anchor="t" anchorCtr="0" compatLnSpc="1">
-            <a:prstTxWarp prst="textNoShape">
-              <a:avLst/>
-            </a:prstTxWarp>
-          </a:bodyPr>
-          <a:lstStyle/>
-          <a:p>
-            <a:endParaRPr lang="en-US"/>
-          </a:p>
-        </p:txBody>
-      </p:sp>
-      <p:pic>
-        <p:nvPicPr>
-          <p:cNvPr id="3074" name="Picture 2"/>
-          <p:cNvPicPr>
-            <a:picLocks noChangeAspect="1" noChangeArrowheads="1"/>
-          </p:cNvPicPr>
-          <p:nvPr/>
-        </p:nvPicPr>
-        <p:blipFill rotWithShape="1">
-          <a:blip r:embed="rId2" cstate="print">
-            <a:extLst>
-              <a:ext uri="{28A0092B-C50C-407E-A947-70E740481C1C}">
-                <a14:useLocalDpi xmlns:a14="http://schemas.microsoft.com/office/drawing/2010/main" val="0"/>
-              </a:ext>
-            </a:extLst>
-          </a:blip>
-          <a:srcRect l="9236" t="2534" r="44792" b="4692"/>
-          <a:stretch/>
-        </p:blipFill>
-        <p:spPr bwMode="auto">
-          <a:xfrm>
-            <a:off x="5113866" y="453136"/>
-            <a:ext cx="3488267" cy="3959763"/>
-          </a:xfrm>
-          <a:prstGeom prst="rect">
-            <a:avLst/>
-          </a:prstGeom>
-          <a:noFill/>
-          <a:ln>
-            <a:noFill/>
-          </a:ln>
-          <a:extLst>
-            <a:ext uri="{909E8E84-426E-40DD-AFC4-6F175D3DCCD1}">
-              <a14:hiddenFill xmlns:a14="http://schemas.microsoft.com/office/drawing/2010/main">
-                <a:solidFill>
-                  <a:schemeClr val="accent1"/>
-                </a:solidFill>
-              </a14:hiddenFill>
-            </a:ext>
-            <a:ext uri="{91240B29-F687-4F45-9708-019B960494DF}">
-              <a14:hiddenLine xmlns:a14="http://schemas.microsoft.com/office/drawing/2010/main" w="9525">
-                <a:solidFill>
-                  <a:schemeClr val="tx1"/>
-                </a:solidFill>
-                <a:miter lim="800000"/>
-                <a:headEnd/>
-                <a:tailEnd/>
-              </a14:hiddenLine>
-            </a:ext>
-          </a:extLst>
-        </p:spPr>
-      </p:pic>
-    </p:spTree>
-    <p:extLst>
-      <p:ext uri="{BB962C8B-B14F-4D97-AF65-F5344CB8AC3E}">
-        <p14:creationId xmlns:p14="http://schemas.microsoft.com/office/powerpoint/2010/main" val="2531448312"/>
-      </p:ext>
-    </p:extLst>
-  </p:cSld>
-  <p:clrMapOvr>
-    <a:masterClrMapping/>
-  </p:clrMapOvr>
-  <p:transition spd="med">
-    <p:fade/>
-  </p:transition>
-</p:sld>
-</file>
-
-<file path=ppt/slides/slide9.xml><?xml version="1.0" encoding="utf-8"?>
-<p:sld xmlns:a="http://schemas.openxmlformats.org/drawingml/2006/main" xmlns:r="http://schemas.openxmlformats.org/officeDocument/2006/relationships" xmlns:p="http://schemas.openxmlformats.org/presentationml/2006/main">
-  <p:cSld>
-    <p:spTree>
-      <p:nvGrpSpPr>
-        <p:cNvPr id="1" name=""/>
-        <p:cNvGrpSpPr/>
-        <p:nvPr/>
-      </p:nvGrpSpPr>
-      <p:grpSpPr>
-        <a:xfrm>
-          <a:off x="0" y="0"/>
-          <a:ext cx="0" cy="0"/>
-          <a:chOff x="0" y="0"/>
-          <a:chExt cx="0" cy="0"/>
-        </a:xfrm>
-      </p:grpSpPr>
-      <p:sp>
-        <p:nvSpPr>
-          <p:cNvPr id="6" name="Text Placeholder 5"/>
-          <p:cNvSpPr>
-            <a:spLocks noGrp="1"/>
-          </p:cNvSpPr>
-          <p:nvPr>
-            <p:ph type="body" sz="quarter" idx="15"/>
-          </p:nvPr>
-        </p:nvSpPr>
-        <p:spPr/>
-        <p:txBody>
-          <a:bodyPr/>
-          <a:lstStyle/>
-          <a:p>
-            <a:endParaRPr lang="en-US"/>
-          </a:p>
-        </p:txBody>
-      </p:sp>
-      <p:sp>
-        <p:nvSpPr>
-          <p:cNvPr id="5" name="Title 4"/>
-          <p:cNvSpPr>
-            <a:spLocks noGrp="1"/>
-          </p:cNvSpPr>
-          <p:nvPr>
-            <p:ph type="title"/>
-          </p:nvPr>
-        </p:nvSpPr>
-        <p:spPr/>
-        <p:txBody>
-          <a:bodyPr/>
-          <a:lstStyle/>
-          <a:p>
-            <a:r>
-              <a:rPr lang="en-IN" dirty="0" smtClean="0"/>
-              <a:t>Isolation Forest</a:t>
-            </a:r>
-            <a:endParaRPr lang="en-US" dirty="0"/>
-          </a:p>
-        </p:txBody>
-      </p:sp>
-      <p:sp>
-        <p:nvSpPr>
-          <p:cNvPr id="7" name="TextBox 6"/>
-          <p:cNvSpPr txBox="1"/>
-          <p:nvPr/>
-        </p:nvSpPr>
-        <p:spPr>
-          <a:xfrm>
-            <a:off x="516467" y="990600"/>
-            <a:ext cx="4224865" cy="4801314"/>
-          </a:xfrm>
-          <a:prstGeom prst="rect">
-            <a:avLst/>
-          </a:prstGeom>
-          <a:noFill/>
-        </p:spPr>
-        <p:txBody>
-          <a:bodyPr wrap="square" rtlCol="0">
-            <a:spAutoFit/>
-          </a:bodyPr>
-          <a:lstStyle/>
-          <a:p>
-            <a:r>
-              <a:rPr lang="en-IN" dirty="0" smtClean="0"/>
-              <a:t>The </a:t>
-            </a:r>
-            <a:r>
-              <a:rPr lang="en-IN" dirty="0"/>
-              <a:t>Isolation Forest algorithm isolates observations by randomly selecting a feature and then randomly selecting a split value between the maximum and minimum values of the selected feature. The logic arguments goes: isolating anomaly observations is easier as only a few conditions are needed to separate those cases from the normal observations. On the other hand, isolating normal observations require more conditions. Therefore, an anomaly score can be calculated as the number of conditions required to separate a given observation.</a:t>
-            </a:r>
-          </a:p>
-        </p:txBody>
-      </p:sp>
-      <p:sp>
-        <p:nvSpPr>
-          <p:cNvPr id="2" name="AutoShape 2" descr="Image result for support vector machine"/>
-          <p:cNvSpPr>
-            <a:spLocks noChangeAspect="1" noChangeArrowheads="1"/>
-          </p:cNvSpPr>
-          <p:nvPr/>
-        </p:nvSpPr>
-        <p:spPr bwMode="auto">
-          <a:xfrm>
-            <a:off x="155575" y="-144463"/>
-            <a:ext cx="304800" cy="304801"/>
-          </a:xfrm>
-          <a:prstGeom prst="rect">
-            <a:avLst/>
-          </a:prstGeom>
-          <a:noFill/>
-          <a:extLst>
-            <a:ext uri="{909E8E84-426E-40DD-AFC4-6F175D3DCCD1}">
-              <a14:hiddenFill xmlns:a14="http://schemas.microsoft.com/office/drawing/2010/main">
-                <a:solidFill>
-                  <a:srgbClr val="FFFFFF"/>
-                </a:solidFill>
-              </a14:hiddenFill>
-            </a:ext>
-          </a:extLst>
-        </p:spPr>
-        <p:txBody>
-          <a:bodyPr vert="horz" wrap="square" lIns="91440" tIns="45720" rIns="91440" bIns="45720" numCol="1" anchor="t" anchorCtr="0" compatLnSpc="1">
-            <a:prstTxWarp prst="textNoShape">
-              <a:avLst/>
-            </a:prstTxWarp>
-          </a:bodyPr>
-          <a:lstStyle/>
-          <a:p>
-            <a:endParaRPr lang="en-US"/>
-          </a:p>
-        </p:txBody>
-      </p:sp>
-      <p:pic>
-        <p:nvPicPr>
-          <p:cNvPr id="4098" name="Picture 2"/>
-          <p:cNvPicPr>
-            <a:picLocks noChangeAspect="1" noChangeArrowheads="1"/>
-          </p:cNvPicPr>
-          <p:nvPr/>
-        </p:nvPicPr>
-        <p:blipFill rotWithShape="1">
-          <a:blip r:embed="rId2">
-            <a:extLst>
-              <a:ext uri="{28A0092B-C50C-407E-A947-70E740481C1C}">
-                <a14:useLocalDpi xmlns:a14="http://schemas.microsoft.com/office/drawing/2010/main" val="0"/>
-              </a:ext>
-            </a:extLst>
-          </a:blip>
-          <a:srcRect l="10486" t="38395" r="48681" b="16914"/>
-          <a:stretch/>
-        </p:blipFill>
-        <p:spPr bwMode="auto">
-          <a:xfrm>
-            <a:off x="4798214" y="990600"/>
-            <a:ext cx="4345786" cy="2675468"/>
-          </a:xfrm>
-          <a:prstGeom prst="rect">
-            <a:avLst/>
-          </a:prstGeom>
-          <a:noFill/>
-          <a:ln>
-            <a:noFill/>
-          </a:ln>
-          <a:extLst>
-            <a:ext uri="{909E8E84-426E-40DD-AFC4-6F175D3DCCD1}">
-              <a14:hiddenFill xmlns:a14="http://schemas.microsoft.com/office/drawing/2010/main">
-                <a:solidFill>
-                  <a:schemeClr val="accent1"/>
-                </a:solidFill>
-              </a14:hiddenFill>
-            </a:ext>
-            <a:ext uri="{91240B29-F687-4F45-9708-019B960494DF}">
-              <a14:hiddenLine xmlns:a14="http://schemas.microsoft.com/office/drawing/2010/main" w="9525">
-                <a:solidFill>
-                  <a:schemeClr val="tx1"/>
-                </a:solidFill>
-                <a:miter lim="800000"/>
-                <a:headEnd/>
-                <a:tailEnd/>
-              </a14:hiddenLine>
-            </a:ext>
-          </a:extLst>
-        </p:spPr>
-      </p:pic>
-    </p:spTree>
-    <p:extLst>
-      <p:ext uri="{BB962C8B-B14F-4D97-AF65-F5344CB8AC3E}">
-        <p14:creationId xmlns:p14="http://schemas.microsoft.com/office/powerpoint/2010/main" val="737282785"/>
-      </p:ext>
-    </p:extLst>
-  </p:cSld>
-  <p:clrMapOvr>
-    <a:masterClrMapping/>
-  </p:clrMapOvr>
-  <p:transition spd="med">
-    <p:fade/>
-  </p:transition>
+  <p:timing>
+    <p:tnLst>
+      <p:par>
+        <p:cTn id="1" dur="indefinite" restart="never" nodeType="tmRoot"/>
+      </p:par>
+    </p:tnLst>
+  </p:timing>
 </p:sld>
 </file>
 
